--- a/output/topic_neural_networks.pptx
+++ b/output/topic_neural_networks.pptx
@@ -6047,7 +6047,7 @@
           <a:lstStyle/>
           <a:p>
             <a:r>
-              <a:t>Applications of Neural Networks</a:t>
+              <a:t>Advantages and Disadvantages of Neural Networks</a:t>
             </a:r>
           </a:p>
         </p:txBody>
@@ -6075,7 +6075,7 @@
               <a:defRPr sz="1800"/>
             </a:pPr>
             <a:r>
-              <a:t>Image recognition and object detection.</a:t>
+              <a:t>• Advantages: Powerful pattern recognition, adaptability, parallel processing.</a:t>
             </a:r>
           </a:p>
           <a:p>
@@ -6086,7 +6086,7 @@
               <a:defRPr sz="1800"/>
             </a:pPr>
             <a:r>
-              <a:t>Natural language processing (NLP): machine translation, sentiment analysis.</a:t>
+              <a:t>Disadvantages:</a:t>
             </a:r>
           </a:p>
           <a:p>
@@ -6097,7 +6097,7 @@
               <a:defRPr sz="1800"/>
             </a:pPr>
             <a:r>
-              <a:t>Speech recognition and synthesis.</a:t>
+              <a:t>• Need for large datasets.</a:t>
             </a:r>
           </a:p>
           <a:p>
@@ -6108,7 +6108,7 @@
               <a:defRPr sz="1800"/>
             </a:pPr>
             <a:r>
-              <a:t>Medical diagnosis and drug discovery.</a:t>
+              <a:t>• Explainability challenges.</a:t>
             </a:r>
           </a:p>
           <a:p>
@@ -6119,29 +6119,7 @@
               <a:defRPr sz="1800"/>
             </a:pPr>
             <a:r>
-              <a:t>Financial modeling and fraud detection.</a:t>
-            </a:r>
-          </a:p>
-          <a:p>
-            <a:pPr>
-              <a:lnSpc>
-                <a:spcPct val="115000"/>
-              </a:lnSpc>
-              <a:defRPr sz="1800"/>
-            </a:pPr>
-            <a:r>
-              <a:t>Robotics and autonomous systems.</a:t>
-            </a:r>
-          </a:p>
-          <a:p>
-            <a:pPr>
-              <a:lnSpc>
-                <a:spcPct val="115000"/>
-              </a:lnSpc>
-              <a:defRPr sz="1800"/>
-            </a:pPr>
-            <a:r>
-              <a:t>Self-driving cars and other autonomous vehicles.</a:t>
+              <a:t>• Overfitting issues.</a:t>
             </a:r>
           </a:p>
         </p:txBody>
@@ -6180,7 +6158,7 @@
           <a:lstStyle/>
           <a:p>
             <a:r>
-              <a:t>Challenges and Future Directions</a:t>
+              <a:t>The Future of Neural Networks</a:t>
             </a:r>
           </a:p>
         </p:txBody>
@@ -6208,7 +6186,7 @@
               <a:defRPr sz="1800"/>
             </a:pPr>
             <a:r>
-              <a:t>Overfitting and generalization.</a:t>
+              <a:t>• Advancements in deep learning.</a:t>
             </a:r>
           </a:p>
           <a:p>
@@ -6219,7 +6197,7 @@
               <a:defRPr sz="1800"/>
             </a:pPr>
             <a:r>
-              <a:t>Computational cost and energy consumption.</a:t>
+              <a:t>• Improved training algorithms.</a:t>
             </a:r>
           </a:p>
           <a:p>
@@ -6230,7 +6208,7 @@
               <a:defRPr sz="1800"/>
             </a:pPr>
             <a:r>
-              <a:t>Explainability and interpretability of neural networks (</a:t>
+              <a:t>• Explainable AI (XAI).</a:t>
             </a:r>
           </a:p>
           <a:p>
@@ -6241,7 +6219,7 @@
               <a:defRPr sz="1800"/>
             </a:pPr>
             <a:r>
-              <a:t>Data bias and fairness concerns.</a:t>
+              <a:t>• Hardware acceleration (GPUs, TPUs).</a:t>
             </a:r>
           </a:p>
           <a:p>
@@ -6252,29 +6230,7 @@
               <a:defRPr sz="1800"/>
             </a:pPr>
             <a:r>
-              <a:t>The need for more robust and efficient training algorithms.</a:t>
-            </a:r>
-          </a:p>
-          <a:p>
-            <a:pPr>
-              <a:lnSpc>
-                <a:spcPct val="115000"/>
-              </a:lnSpc>
-              <a:defRPr sz="1800"/>
-            </a:pPr>
-            <a:r>
-              <a:t>Exploring new architectures and network designs.</a:t>
-            </a:r>
-          </a:p>
-          <a:p>
-            <a:pPr>
-              <a:lnSpc>
-                <a:spcPct val="115000"/>
-              </a:lnSpc>
-              <a:defRPr sz="1800"/>
-            </a:pPr>
-            <a:r>
-              <a:t>Addressing ethical considerations in AI development.</a:t>
+              <a:t>• Ethical considerations and responsible AI.</a:t>
             </a:r>
           </a:p>
         </p:txBody>
@@ -6313,7 +6269,7 @@
           <a:lstStyle/>
           <a:p>
             <a:r>
-              <a:t>Conclusion: Key Takeaways and Future of Neural Networks</a:t>
+              <a:t>Conclusion: Key Takeaways and Future Directions</a:t>
             </a:r>
           </a:p>
         </p:txBody>
@@ -6341,7 +6297,7 @@
               <a:defRPr sz="1800"/>
             </a:pPr>
             <a:r>
-              <a:t>Neural networks are powerful tools for pattern recognition and prediction.</a:t>
+              <a:t>• Summary of key concepts covered.</a:t>
             </a:r>
           </a:p>
           <a:p>
@@ -6352,7 +6308,7 @@
               <a:defRPr sz="1800"/>
             </a:pPr>
             <a:r>
-              <a:t>Deep learning has revolutionized many fields.</a:t>
+              <a:t>• Recap of neural network architecture and training.</a:t>
             </a:r>
           </a:p>
           <a:p>
@@ -6363,7 +6319,7 @@
               <a:defRPr sz="1800"/>
             </a:pPr>
             <a:r>
-              <a:t>Challenges remain in training, interpretability, and ethical considerations.</a:t>
+              <a:t>• Highlighting the diverse applications.</a:t>
             </a:r>
           </a:p>
           <a:p>
@@ -6374,7 +6330,7 @@
               <a:defRPr sz="1800"/>
             </a:pPr>
             <a:r>
-              <a:t>Future directions include developing more efficient and transparent models.</a:t>
+              <a:t>• Discussion of future trends and challenges.</a:t>
             </a:r>
           </a:p>
           <a:p>
@@ -6385,29 +6341,7 @@
               <a:defRPr sz="1800"/>
             </a:pPr>
             <a:r>
-              <a:t>The field is constantly evolving with ongoing research and development.</a:t>
-            </a:r>
-          </a:p>
-          <a:p>
-            <a:pPr>
-              <a:lnSpc>
-                <a:spcPct val="115000"/>
-              </a:lnSpc>
-              <a:defRPr sz="1800"/>
-            </a:pPr>
-            <a:r>
-              <a:t>Neural networks are a key component of the future of artificial intelligence.</a:t>
-            </a:r>
-          </a:p>
-          <a:p>
-            <a:pPr>
-              <a:lnSpc>
-                <a:spcPct val="115000"/>
-              </a:lnSpc>
-              <a:defRPr sz="1800"/>
-            </a:pPr>
-            <a:r>
-              <a:t>Call to action: explore further and contribute to the field.</a:t>
+              <a:t>• Call to action: Further exploration and research.</a:t>
             </a:r>
           </a:p>
         </p:txBody>
@@ -6446,7 +6380,7 @@
           <a:lstStyle/>
           <a:p>
             <a:r>
-              <a:t>Unraveling the Mysteries of Neural Networks: From Biology to AI</a:t>
+              <a:t>Unveiling the Power of Neural Networks: A Deep Dive</a:t>
             </a:r>
           </a:p>
         </p:txBody>
@@ -6498,7 +6432,7 @@
               </a:defRPr>
             </a:pPr>
             <a:r>
-              <a:t>Created by: Shubham</a:t>
+              <a:t>Created by: Aditya</a:t>
             </a:r>
           </a:p>
         </p:txBody>
@@ -6576,7 +6510,7 @@
               <a:defRPr sz="1800"/>
             </a:pPr>
             <a:r>
-              <a:t>2. Biological Inspiration: The Neuron</a:t>
+              <a:t>2. The Biological Inspiration</a:t>
             </a:r>
           </a:p>
           <a:p>
@@ -6587,7 +6521,7 @@
               <a:defRPr sz="1800"/>
             </a:pPr>
             <a:r>
-              <a:t>3. The Perceptron: The Building Block</a:t>
+              <a:t>3. Architecture of a Neural Network</a:t>
             </a:r>
           </a:p>
           <a:p>
@@ -6598,7 +6532,7 @@
               <a:defRPr sz="1800"/>
             </a:pPr>
             <a:r>
-              <a:t>4. Multilayer Perceptrons (MLPs) and Deep Learning</a:t>
+              <a:t>4. Types of Neural Networks</a:t>
             </a:r>
           </a:p>
           <a:p>
@@ -6609,7 +6543,7 @@
               <a:defRPr sz="1800"/>
             </a:pPr>
             <a:r>
-              <a:t>5. Activation Functions: Shaping the Output</a:t>
+              <a:t>5. Training Neural Networks: Backpropagation</a:t>
             </a:r>
           </a:p>
           <a:p>
@@ -6620,7 +6554,7 @@
               <a:defRPr sz="1800"/>
             </a:pPr>
             <a:r>
-              <a:t>6. Training Neural Networks: Backpropagation</a:t>
+              <a:t>6. Applications of Neural Networks</a:t>
             </a:r>
           </a:p>
           <a:p>
@@ -6631,7 +6565,7 @@
               <a:defRPr sz="1800"/>
             </a:pPr>
             <a:r>
-              <a:t>7. Applications of Neural Networks</a:t>
+              <a:t>7. Advantages and Disadvantages of Neural Networks</a:t>
             </a:r>
           </a:p>
           <a:p>
@@ -6642,7 +6576,7 @@
               <a:defRPr sz="1800"/>
             </a:pPr>
             <a:r>
-              <a:t>8. Challenges and Future Directions</a:t>
+              <a:t>8. The Future of Neural Networks</a:t>
             </a:r>
           </a:p>
           <a:p>
@@ -6653,7 +6587,7 @@
               <a:defRPr sz="1800"/>
             </a:pPr>
             <a:r>
-              <a:t>9. Conclusion: Key Takeaways and Future of Neural Networks</a:t>
+              <a:t>9. Conclusion: Key Takeaways and Future Directions</a:t>
             </a:r>
           </a:p>
         </p:txBody>
@@ -6720,7 +6654,7 @@
               <a:defRPr sz="1800"/>
             </a:pPr>
             <a:r>
-              <a:t>Definition of a neural network: interconnected nodes (neurons) processing information.</a:t>
+              <a:t>What are neural networks?</a:t>
             </a:r>
           </a:p>
           <a:p>
@@ -6731,7 +6665,7 @@
               <a:defRPr sz="1800"/>
             </a:pPr>
             <a:r>
-              <a:t>Inspiration from the human brain: parallel processing and learning.</a:t>
+              <a:t>• A brief history of neural networks.</a:t>
             </a:r>
           </a:p>
           <a:p>
@@ -6742,7 +6676,7 @@
               <a:defRPr sz="1800"/>
             </a:pPr>
             <a:r>
-              <a:t>Types of neural networks: feedforward, recurrent, convolutional, etc.</a:t>
+              <a:t>• The concept of interconnected nodes (neurons).</a:t>
             </a:r>
           </a:p>
           <a:p>
@@ -6753,7 +6687,7 @@
               <a:defRPr sz="1800"/>
             </a:pPr>
             <a:r>
-              <a:t>Key components: input layer, hidden layers, output layer, weights, biases.</a:t>
+              <a:t>• Processing information through weighted connections.</a:t>
             </a:r>
           </a:p>
           <a:p>
@@ -6764,7 +6698,7 @@
               <a:defRPr sz="1800"/>
             </a:pPr>
             <a:r>
-              <a:t>Applications across various fields: image recognition, natural language processing, etc.</a:t>
+              <a:t>• The role of activation functions.</a:t>
             </a:r>
           </a:p>
           <a:p>
@@ -6775,18 +6709,7 @@
               <a:defRPr sz="1800"/>
             </a:pPr>
             <a:r>
-              <a:t>The power of pattern recognition and prediction.</a:t>
-            </a:r>
-          </a:p>
-          <a:p>
-            <a:pPr>
-              <a:lnSpc>
-                <a:spcPct val="115000"/>
-              </a:lnSpc>
-              <a:defRPr sz="1800"/>
-            </a:pPr>
-            <a:r>
-              <a:t>Difference between traditional computing and neural networks</a:t>
+              <a:t>• Simple analogy to the human brain.</a:t>
             </a:r>
           </a:p>
         </p:txBody>
@@ -6825,7 +6748,7 @@
           <a:lstStyle/>
           <a:p>
             <a:r>
-              <a:t>Biological Inspiration: The Neuron</a:t>
+              <a:t>The Biological Inspiration</a:t>
             </a:r>
           </a:p>
         </p:txBody>
@@ -6853,7 +6776,7 @@
               <a:defRPr sz="1800"/>
             </a:pPr>
             <a:r>
-              <a:t>Structure of a biological neuron: dendrites, soma, axon, synapses.</a:t>
+              <a:t>• Neurons and synapses in the human brain.</a:t>
             </a:r>
           </a:p>
           <a:p>
@@ -6864,7 +6787,7 @@
               <a:defRPr sz="1800"/>
             </a:pPr>
             <a:r>
-              <a:t>Signal transmission: electrochemical signals and synaptic transmission.</a:t>
+              <a:t>• Signal transmission and processing.</a:t>
             </a:r>
           </a:p>
           <a:p>
@@ -6875,7 +6798,7 @@
               <a:defRPr sz="1800"/>
             </a:pPr>
             <a:r>
-              <a:t>The concept of weighted connections and summation of signals.</a:t>
+              <a:t>• Parallel processing capabilities.</a:t>
             </a:r>
           </a:p>
           <a:p>
@@ -6886,7 +6809,7 @@
               <a:defRPr sz="1800"/>
             </a:pPr>
             <a:r>
-              <a:t>How biological neurons inspire artificial neuron models.</a:t>
+              <a:t>• Learning and adaptation through synaptic plasticity.</a:t>
             </a:r>
           </a:p>
           <a:p>
@@ -6897,29 +6820,7 @@
               <a:defRPr sz="1800"/>
             </a:pPr>
             <a:r>
-              <a:t>Limitations of biological neuron models in artificial neural networks.</a:t>
-            </a:r>
-          </a:p>
-          <a:p>
-            <a:pPr>
-              <a:lnSpc>
-                <a:spcPct val="115000"/>
-              </a:lnSpc>
-              <a:defRPr sz="1800"/>
-            </a:pPr>
-            <a:r>
-              <a:t>The simplification of biological processes for computational efficiency.</a:t>
-            </a:r>
-          </a:p>
-          <a:p>
-            <a:pPr>
-              <a:lnSpc>
-                <a:spcPct val="115000"/>
-              </a:lnSpc>
-              <a:defRPr sz="1800"/>
-            </a:pPr>
-            <a:r>
-              <a:t>Comparison of biological and artificial neuron characteristics.</a:t>
+              <a:t>• Inspiration for artificial neural networks.</a:t>
             </a:r>
           </a:p>
         </p:txBody>
@@ -6958,7 +6859,7 @@
           <a:lstStyle/>
           <a:p>
             <a:r>
-              <a:t>The Perceptron: The Building Block</a:t>
+              <a:t>Architecture of a Neural Network</a:t>
             </a:r>
           </a:p>
         </p:txBody>
@@ -6986,7 +6887,7 @@
               <a:defRPr sz="1800"/>
             </a:pPr>
             <a:r>
-              <a:t>The simplest form of a neural network: a single neuron.</a:t>
+              <a:t>• Input layer: Receiving data.</a:t>
             </a:r>
           </a:p>
           <a:p>
@@ -6997,7 +6898,7 @@
               <a:defRPr sz="1800"/>
             </a:pPr>
             <a:r>
-              <a:t>Weighted inputs and a bias term.</a:t>
+              <a:t>• Hidden layers: Feature extraction and transformation.</a:t>
             </a:r>
           </a:p>
           <a:p>
@@ -7008,7 +6909,7 @@
               <a:defRPr sz="1800"/>
             </a:pPr>
             <a:r>
-              <a:t>Activation function: introducing non-linearity.</a:t>
+              <a:t>• Output layer: Producing results.</a:t>
             </a:r>
           </a:p>
           <a:p>
@@ -7019,7 +6920,7 @@
               <a:defRPr sz="1800"/>
             </a:pPr>
             <a:r>
-              <a:t>Binary classification using a step function.</a:t>
+              <a:t>• Connections (weights) and biases.</a:t>
             </a:r>
           </a:p>
           <a:p>
@@ -7030,29 +6931,7 @@
               <a:defRPr sz="1800"/>
             </a:pPr>
             <a:r>
-              <a:t>Limitations of a single perceptron: inability to solve linearly inseparable problems.</a:t>
-            </a:r>
-          </a:p>
-          <a:p>
-            <a:pPr>
-              <a:lnSpc>
-                <a:spcPct val="115000"/>
-              </a:lnSpc>
-              <a:defRPr sz="1800"/>
-            </a:pPr>
-            <a:r>
-              <a:t>Mathematical representation of a perceptron's operation.</a:t>
-            </a:r>
-          </a:p>
-          <a:p>
-            <a:pPr>
-              <a:lnSpc>
-                <a:spcPct val="115000"/>
-              </a:lnSpc>
-              <a:defRPr sz="1800"/>
-            </a:pPr>
-            <a:r>
-              <a:t>Visual representation of a perceptron's decision boundary.</a:t>
+              <a:t>• Feedforward vs. recurrent networks.</a:t>
             </a:r>
           </a:p>
         </p:txBody>
@@ -7091,7 +6970,7 @@
           <a:lstStyle/>
           <a:p>
             <a:r>
-              <a:t>Multilayer Perceptrons (MLPs) and Deep Learning</a:t>
+              <a:t>Types of Neural Networks</a:t>
             </a:r>
           </a:p>
         </p:txBody>
@@ -7119,7 +6998,7 @@
               <a:defRPr sz="1800"/>
             </a:pPr>
             <a:r>
-              <a:t>Overcoming limitations of single perceptrons through multiple layers.</a:t>
+              <a:t>• Feedforward Neural Networks (FNNs)</a:t>
             </a:r>
           </a:p>
           <a:p>
@@ -7130,7 +7009,7 @@
               <a:defRPr sz="1800"/>
             </a:pPr>
             <a:r>
-              <a:t>Introduction of hidden layers: increasing complexity and representational power.</a:t>
+              <a:t>• Convolutional Neural Networks (CNNs) - image processing</a:t>
             </a:r>
           </a:p>
           <a:p>
@@ -7141,7 +7020,7 @@
               <a:defRPr sz="1800"/>
             </a:pPr>
             <a:r>
-              <a:t>Deep learning: networks with many hidden layers.</a:t>
+              <a:t>• Recurrent Neural Networks (RNNs) - sequential data</a:t>
             </a:r>
           </a:p>
           <a:p>
@@ -7152,7 +7031,7 @@
               <a:defRPr sz="1800"/>
             </a:pPr>
             <a:r>
-              <a:t>Increased capacity for complex pattern recognition.</a:t>
+              <a:t>• Long Short-Term Memory networks (LSTMs) - handling long sequences</a:t>
             </a:r>
           </a:p>
           <a:p>
@@ -7163,29 +7042,7 @@
               <a:defRPr sz="1800"/>
             </a:pPr>
             <a:r>
-              <a:t>The concept of feature extraction in hidden layers.</a:t>
-            </a:r>
-          </a:p>
-          <a:p>
-            <a:pPr>
-              <a:lnSpc>
-                <a:spcPct val="115000"/>
-              </a:lnSpc>
-              <a:defRPr sz="1800"/>
-            </a:pPr>
-            <a:r>
-              <a:t>The power of deep learning in solving complex problems.</a:t>
-            </a:r>
-          </a:p>
-          <a:p>
-            <a:pPr>
-              <a:lnSpc>
-                <a:spcPct val="115000"/>
-              </a:lnSpc>
-              <a:defRPr sz="1800"/>
-            </a:pPr>
-            <a:r>
-              <a:t>Relationship between depth and complexity.</a:t>
+              <a:t>• Generative Adversarial Networks (GANs) - image generation</a:t>
             </a:r>
           </a:p>
         </p:txBody>
@@ -7224,7 +7081,7 @@
           <a:lstStyle/>
           <a:p>
             <a:r>
-              <a:t>Activation Functions: Shaping the Output</a:t>
+              <a:t>Training Neural Networks: Backpropagation</a:t>
             </a:r>
           </a:p>
         </p:txBody>
@@ -7252,7 +7109,7 @@
               <a:defRPr sz="1800"/>
             </a:pPr>
             <a:r>
-              <a:t>Purpose of activation functions: introducing non-linearity.</a:t>
+              <a:t>• The concept of loss function.</a:t>
             </a:r>
           </a:p>
           <a:p>
@@ -7263,7 +7120,7 @@
               <a:defRPr sz="1800"/>
             </a:pPr>
             <a:r>
-              <a:t>Common activation functions: sigmoid, ReLU, tanh.</a:t>
+              <a:t>• Gradient descent optimization.</a:t>
             </a:r>
           </a:p>
           <a:p>
@@ -7274,7 +7131,7 @@
               <a:defRPr sz="1800"/>
             </a:pPr>
             <a:r>
-              <a:t>Choosing the appropriate activation function for a specific task.</a:t>
+              <a:t>• Backpropagation algorithm: Calculating gradients.</a:t>
             </a:r>
           </a:p>
           <a:p>
@@ -7285,7 +7142,7 @@
               <a:defRPr sz="1800"/>
             </a:pPr>
             <a:r>
-              <a:t>Impact of activation function on gradient descent.</a:t>
+              <a:t>• Weight updates and iterative learning.</a:t>
             </a:r>
           </a:p>
           <a:p>
@@ -7296,29 +7153,7 @@
               <a:defRPr sz="1800"/>
             </a:pPr>
             <a:r>
-              <a:t>Advantages and disadvantages of different activation functions.</a:t>
-            </a:r>
-          </a:p>
-          <a:p>
-            <a:pPr>
-              <a:lnSpc>
-                <a:spcPct val="115000"/>
-              </a:lnSpc>
-              <a:defRPr sz="1800"/>
-            </a:pPr>
-            <a:r>
-              <a:t>Visual representation of different activation functions.</a:t>
-            </a:r>
-          </a:p>
-          <a:p>
-            <a:pPr>
-              <a:lnSpc>
-                <a:spcPct val="115000"/>
-              </a:lnSpc>
-              <a:defRPr sz="1800"/>
-            </a:pPr>
-            <a:r>
-              <a:t>The role of activation functions in preventing vanishing gradients.</a:t>
+              <a:t>• Overfitting and regularization techniques.</a:t>
             </a:r>
           </a:p>
         </p:txBody>
@@ -7357,7 +7192,7 @@
           <a:lstStyle/>
           <a:p>
             <a:r>
-              <a:t>Training Neural Networks: Backpropagation</a:t>
+              <a:t>Applications of Neural Networks</a:t>
             </a:r>
           </a:p>
         </p:txBody>
@@ -7385,7 +7220,7 @@
               <a:defRPr sz="1800"/>
             </a:pPr>
             <a:r>
-              <a:t>The process of adjusting weights and biases to minimize error.</a:t>
+              <a:t>• Image recognition and classification.</a:t>
             </a:r>
           </a:p>
           <a:p>
@@ -7396,7 +7231,7 @@
               <a:defRPr sz="1800"/>
             </a:pPr>
             <a:r>
-              <a:t>Gradient descent: iterative optimization algorithm.</a:t>
+              <a:t>• Natural language processing (NLP).</a:t>
             </a:r>
           </a:p>
           <a:p>
@@ -7407,7 +7242,7 @@
               <a:defRPr sz="1800"/>
             </a:pPr>
             <a:r>
-              <a:t>Backpropagation algorithm: calculating gradients through the network.</a:t>
+              <a:t>• Speech recognition and synthesis.</a:t>
             </a:r>
           </a:p>
           <a:p>
@@ -7418,7 +7253,7 @@
               <a:defRPr sz="1800"/>
             </a:pPr>
             <a:r>
-              <a:t>Loss functions: measuring the difference between predicted and actual outputs.</a:t>
+              <a:t>• Self-driving cars.</a:t>
             </a:r>
           </a:p>
           <a:p>
@@ -7429,7 +7264,7 @@
               <a:defRPr sz="1800"/>
             </a:pPr>
             <a:r>
-              <a:t>Optimization algorithms: stochastic gradient descent, Adam, etc.</a:t>
+              <a:t>• Medical diagnosis and drug discovery.</a:t>
             </a:r>
           </a:p>
           <a:p>
@@ -7440,18 +7275,7 @@
               <a:defRPr sz="1800"/>
             </a:pPr>
             <a:r>
-              <a:t>The concept of epochs and iterations.</a:t>
-            </a:r>
-          </a:p>
-          <a:p>
-            <a:pPr>
-              <a:lnSpc>
-                <a:spcPct val="115000"/>
-              </a:lnSpc>
-              <a:defRPr sz="1800"/>
-            </a:pPr>
-            <a:r>
-              <a:t>Challenges in training deep neural networks.</a:t>
+              <a:t>• Financial modeling and prediction.</a:t>
             </a:r>
           </a:p>
         </p:txBody>

--- a/output/topic_neural_networks.pptx
+++ b/output/topic_neural_networks.pptx
@@ -17,6 +17,14 @@
     <p:sldId id="265" r:id="rId15"/>
     <p:sldId id="266" r:id="rId16"/>
     <p:sldId id="267" r:id="rId17"/>
+    <p:sldId id="268" r:id="rId18"/>
+    <p:sldId id="269" r:id="rId19"/>
+    <p:sldId id="270" r:id="rId20"/>
+    <p:sldId id="271" r:id="rId21"/>
+    <p:sldId id="272" r:id="rId22"/>
+    <p:sldId id="273" r:id="rId23"/>
+    <p:sldId id="274" r:id="rId24"/>
+    <p:sldId id="275" r:id="rId25"/>
   </p:sldIdLst>
   <p:sldSz cx="12192000" cy="6858000"/>
   <p:notesSz cx="6858000" cy="9144000"/>
@@ -6047,7 +6055,7 @@
           <a:lstStyle/>
           <a:p>
             <a:r>
-              <a:t>Advantages and Disadvantages of Neural Networks</a:t>
+              <a:t>The Perceptron: A Building Block</a:t>
             </a:r>
           </a:p>
         </p:txBody>
@@ -6075,7 +6083,7 @@
               <a:defRPr sz="1800"/>
             </a:pPr>
             <a:r>
-              <a:t>• Advantages: Powerful pattern recognition, adaptability, parallel processing.</a:t>
+              <a:t>The simplest form of a neural network.</a:t>
             </a:r>
           </a:p>
           <a:p>
@@ -6086,7 +6094,7 @@
               <a:defRPr sz="1800"/>
             </a:pPr>
             <a:r>
-              <a:t>Disadvantages:</a:t>
+              <a:t>Linear classifier.</a:t>
             </a:r>
           </a:p>
           <a:p>
@@ -6097,7 +6105,7 @@
               <a:defRPr sz="1800"/>
             </a:pPr>
             <a:r>
-              <a:t>• Need for large datasets.</a:t>
+              <a:t>Weighted sum of inputs.</a:t>
             </a:r>
           </a:p>
           <a:p>
@@ -6108,7 +6116,7 @@
               <a:defRPr sz="1800"/>
             </a:pPr>
             <a:r>
-              <a:t>• Explainability challenges.</a:t>
+              <a:t>Activation function (step function, sigmoid).</a:t>
             </a:r>
           </a:p>
           <a:p>
@@ -6119,7 +6127,18 @@
               <a:defRPr sz="1800"/>
             </a:pPr>
             <a:r>
-              <a:t>• Overfitting issues.</a:t>
+              <a:t>Learning through weight adjustments.</a:t>
+            </a:r>
+          </a:p>
+          <a:p>
+            <a:pPr>
+              <a:lnSpc>
+                <a:spcPct val="115000"/>
+              </a:lnSpc>
+              <a:defRPr sz="1800"/>
+            </a:pPr>
+            <a:r>
+              <a:t>Limitations: only linear separability.</a:t>
             </a:r>
           </a:p>
         </p:txBody>
@@ -6144,93 +6163,86 @@
       <p:grpSpPr/>
       <p:sp>
         <p:nvSpPr>
-          <p:cNvPr id="2" name="Title 1"/>
-          <p:cNvSpPr>
-            <a:spLocks noGrp="1"/>
-          </p:cNvSpPr>
-          <p:nvPr>
-            <p:ph type="title"/>
-          </p:nvPr>
-        </p:nvSpPr>
-        <p:spPr/>
-        <p:txBody>
-          <a:bodyPr/>
-          <a:lstStyle/>
-          <a:p>
-            <a:r>
-              <a:t>The Future of Neural Networks</a:t>
-            </a:r>
-          </a:p>
-        </p:txBody>
-      </p:sp>
-      <p:sp>
-        <p:nvSpPr>
-          <p:cNvPr id="3" name="Content Placeholder 2"/>
-          <p:cNvSpPr>
-            <a:spLocks noGrp="1"/>
-          </p:cNvSpPr>
-          <p:nvPr>
-            <p:ph idx="1"/>
-          </p:nvPr>
-        </p:nvSpPr>
-        <p:spPr/>
-        <p:txBody>
-          <a:bodyPr/>
-          <a:lstStyle/>
-          <a:p/>
+          <p:cNvPr id="2" name="TextBox 1"/>
+          <p:cNvSpPr txBox="1"/>
+          <p:nvPr/>
+        </p:nvSpPr>
+        <p:spPr>
+          <a:xfrm>
+            <a:off x="457200" y="457200"/>
+            <a:ext cx="8229600" cy="914400"/>
+          </a:xfrm>
+          <a:prstGeom prst="rect">
+            <a:avLst/>
+          </a:prstGeom>
+          <a:noFill/>
+        </p:spPr>
+        <p:txBody>
+          <a:bodyPr wrap="none">
+            <a:spAutoFit/>
+          </a:bodyPr>
+          <a:lstStyle/>
           <a:p>
             <a:pPr>
-              <a:lnSpc>
-                <a:spcPct val="115000"/>
-              </a:lnSpc>
-              <a:defRPr sz="1800"/>
+              <a:defRPr sz="3200" b="1"/>
             </a:pPr>
             <a:r>
-              <a:t>• Advancements in deep learning.</a:t>
-            </a:r>
-          </a:p>
-          <a:p>
-            <a:pPr>
-              <a:lnSpc>
-                <a:spcPct val="115000"/>
-              </a:lnSpc>
-              <a:defRPr sz="1800"/>
+              <a:t>The Perceptron: A Building Block - Visual Content</a:t>
+            </a:r>
+          </a:p>
+        </p:txBody>
+      </p:sp>
+      <p:pic>
+        <p:nvPicPr>
+          <p:cNvPr id="3" name="Picture 2" descr="page_6_img_6.jpg"/>
+          <p:cNvPicPr>
+            <a:picLocks noChangeAspect="1"/>
+          </p:cNvPicPr>
+          <p:nvPr/>
+        </p:nvPicPr>
+        <p:blipFill>
+          <a:blip r:embed="rId2"/>
+          <a:stretch>
+            <a:fillRect/>
+          </a:stretch>
+        </p:blipFill>
+        <p:spPr>
+          <a:xfrm>
+            <a:off x="914400" y="1371600"/>
+            <a:ext cx="7315200" cy="4114800"/>
+          </a:xfrm>
+          <a:prstGeom prst="rect">
+            <a:avLst/>
+          </a:prstGeom>
+        </p:spPr>
+      </p:pic>
+      <p:sp>
+        <p:nvSpPr>
+          <p:cNvPr id="4" name="TextBox 3"/>
+          <p:cNvSpPr txBox="1"/>
+          <p:nvPr/>
+        </p:nvSpPr>
+        <p:spPr>
+          <a:xfrm>
+            <a:off x="914400" y="5577840"/>
+            <a:ext cx="7315200" cy="274320"/>
+          </a:xfrm>
+          <a:prstGeom prst="rect">
+            <a:avLst/>
+          </a:prstGeom>
+          <a:noFill/>
+        </p:spPr>
+        <p:txBody>
+          <a:bodyPr wrap="none">
+            <a:spAutoFit/>
+          </a:bodyPr>
+          <a:lstStyle/>
+          <a:p>
+            <a:pPr algn="ctr">
+              <a:defRPr sz="1000" i="1"/>
             </a:pPr>
             <a:r>
-              <a:t>• Improved training algorithms.</a:t>
-            </a:r>
-          </a:p>
-          <a:p>
-            <a:pPr>
-              <a:lnSpc>
-                <a:spcPct val="115000"/>
-              </a:lnSpc>
-              <a:defRPr sz="1800"/>
-            </a:pPr>
-            <a:r>
-              <a:t>• Explainable AI (XAI).</a:t>
-            </a:r>
-          </a:p>
-          <a:p>
-            <a:pPr>
-              <a:lnSpc>
-                <a:spcPct val="115000"/>
-              </a:lnSpc>
-              <a:defRPr sz="1800"/>
-            </a:pPr>
-            <a:r>
-              <a:t>• Hardware acceleration (GPUs, TPUs).</a:t>
-            </a:r>
-          </a:p>
-          <a:p>
-            <a:pPr>
-              <a:lnSpc>
-                <a:spcPct val="115000"/>
-              </a:lnSpc>
-              <a:defRPr sz="1800"/>
-            </a:pPr>
-            <a:r>
-              <a:t>• Ethical considerations and responsible AI.</a:t>
+              <a:t>Applications of Neural Networks</a:t>
             </a:r>
           </a:p>
         </p:txBody>
@@ -6269,7 +6281,7 @@
           <a:lstStyle/>
           <a:p>
             <a:r>
-              <a:t>Conclusion: Key Takeaways and Future Directions</a:t>
+              <a:t>Training Neural Networks: Backpropagation</a:t>
             </a:r>
           </a:p>
         </p:txBody>
@@ -6297,7 +6309,7 @@
               <a:defRPr sz="1800"/>
             </a:pPr>
             <a:r>
-              <a:t>• Summary of key concepts covered.</a:t>
+              <a:t>The core algorithm for training neural networks.</a:t>
             </a:r>
           </a:p>
           <a:p>
@@ -6308,7 +6320,7 @@
               <a:defRPr sz="1800"/>
             </a:pPr>
             <a:r>
-              <a:t>• Recap of neural network architecture and training.</a:t>
+              <a:t>Gradient descent optimization.</a:t>
             </a:r>
           </a:p>
           <a:p>
@@ -6319,7 +6331,7 @@
               <a:defRPr sz="1800"/>
             </a:pPr>
             <a:r>
-              <a:t>• Highlighting the diverse applications.</a:t>
+              <a:t>Calculating error gradients.</a:t>
             </a:r>
           </a:p>
           <a:p>
@@ -6330,7 +6342,7 @@
               <a:defRPr sz="1800"/>
             </a:pPr>
             <a:r>
-              <a:t>• Discussion of future trends and challenges.</a:t>
+              <a:t>Updating weights and biases to minimize error.</a:t>
             </a:r>
           </a:p>
           <a:p>
@@ -6341,7 +6353,818 @@
               <a:defRPr sz="1800"/>
             </a:pPr>
             <a:r>
-              <a:t>• Call to action: Further exploration and research.</a:t>
+              <a:t>Stochastic Gradient Descent (SGD) and its variants.</a:t>
+            </a:r>
+          </a:p>
+          <a:p>
+            <a:pPr>
+              <a:lnSpc>
+                <a:spcPct val="115000"/>
+              </a:lnSpc>
+              <a:defRPr sz="1800"/>
+            </a:pPr>
+            <a:r>
+              <a:t>Epochs, batch size, learning rate.</a:t>
+            </a:r>
+          </a:p>
+        </p:txBody>
+      </p:sp>
+    </p:spTree>
+  </p:cSld>
+  <p:clrMapOvr>
+    <a:masterClrMapping/>
+  </p:clrMapOvr>
+</p:sld>
+</file>
+
+<file path=ppt/slides/slide13.xml><?xml version="1.0" encoding="utf-8"?>
+<p:sld xmlns:a="http://schemas.openxmlformats.org/drawingml/2006/main" xmlns:p="http://schemas.openxmlformats.org/presentationml/2006/main" xmlns:r="http://schemas.openxmlformats.org/officeDocument/2006/relationships">
+  <p:cSld>
+    <p:spTree>
+      <p:nvGrpSpPr>
+        <p:cNvPr id="1" name=""/>
+        <p:cNvGrpSpPr/>
+        <p:nvPr/>
+      </p:nvGrpSpPr>
+      <p:grpSpPr/>
+      <p:sp>
+        <p:nvSpPr>
+          <p:cNvPr id="2" name="TextBox 1"/>
+          <p:cNvSpPr txBox="1"/>
+          <p:nvPr/>
+        </p:nvSpPr>
+        <p:spPr>
+          <a:xfrm>
+            <a:off x="457200" y="457200"/>
+            <a:ext cx="8229600" cy="914400"/>
+          </a:xfrm>
+          <a:prstGeom prst="rect">
+            <a:avLst/>
+          </a:prstGeom>
+          <a:noFill/>
+        </p:spPr>
+        <p:txBody>
+          <a:bodyPr wrap="none">
+            <a:spAutoFit/>
+          </a:bodyPr>
+          <a:lstStyle/>
+          <a:p>
+            <a:pPr>
+              <a:defRPr sz="3200" b="1"/>
+            </a:pPr>
+            <a:r>
+              <a:t>Training Neural Networks: Backpropagation - Visual Content</a:t>
+            </a:r>
+          </a:p>
+        </p:txBody>
+      </p:sp>
+      <p:pic>
+        <p:nvPicPr>
+          <p:cNvPr id="3" name="Picture 2" descr="page_7_img_7.jpg"/>
+          <p:cNvPicPr>
+            <a:picLocks noChangeAspect="1"/>
+          </p:cNvPicPr>
+          <p:nvPr/>
+        </p:nvPicPr>
+        <p:blipFill>
+          <a:blip r:embed="rId2"/>
+          <a:stretch>
+            <a:fillRect/>
+          </a:stretch>
+        </p:blipFill>
+        <p:spPr>
+          <a:xfrm>
+            <a:off x="914400" y="1371600"/>
+            <a:ext cx="7315200" cy="4114800"/>
+          </a:xfrm>
+          <a:prstGeom prst="rect">
+            <a:avLst/>
+          </a:prstGeom>
+        </p:spPr>
+      </p:pic>
+      <p:sp>
+        <p:nvSpPr>
+          <p:cNvPr id="4" name="TextBox 3"/>
+          <p:cNvSpPr txBox="1"/>
+          <p:nvPr/>
+        </p:nvSpPr>
+        <p:spPr>
+          <a:xfrm>
+            <a:off x="914400" y="5577840"/>
+            <a:ext cx="7315200" cy="274320"/>
+          </a:xfrm>
+          <a:prstGeom prst="rect">
+            <a:avLst/>
+          </a:prstGeom>
+          <a:noFill/>
+        </p:spPr>
+        <p:txBody>
+          <a:bodyPr wrap="none">
+            <a:spAutoFit/>
+          </a:bodyPr>
+          <a:lstStyle/>
+          <a:p>
+            <a:pPr algn="ctr">
+              <a:defRPr sz="1000" i="1"/>
+            </a:pPr>
+            <a:r>
+              <a:t>Conclusion: Key Takeaways and Future Directions of Neural Networks</a:t>
+            </a:r>
+          </a:p>
+        </p:txBody>
+      </p:sp>
+    </p:spTree>
+  </p:cSld>
+  <p:clrMapOvr>
+    <a:masterClrMapping/>
+  </p:clrMapOvr>
+</p:sld>
+</file>
+
+<file path=ppt/slides/slide14.xml><?xml version="1.0" encoding="utf-8"?>
+<p:sld xmlns:a="http://schemas.openxmlformats.org/drawingml/2006/main" xmlns:p="http://schemas.openxmlformats.org/presentationml/2006/main" xmlns:r="http://schemas.openxmlformats.org/officeDocument/2006/relationships">
+  <p:cSld>
+    <p:spTree>
+      <p:nvGrpSpPr>
+        <p:cNvPr id="1" name=""/>
+        <p:cNvGrpSpPr/>
+        <p:nvPr/>
+      </p:nvGrpSpPr>
+      <p:grpSpPr/>
+      <p:sp>
+        <p:nvSpPr>
+          <p:cNvPr id="2" name="Title 1"/>
+          <p:cNvSpPr>
+            <a:spLocks noGrp="1"/>
+          </p:cNvSpPr>
+          <p:nvPr>
+            <p:ph type="title"/>
+          </p:nvPr>
+        </p:nvSpPr>
+        <p:spPr/>
+        <p:txBody>
+          <a:bodyPr/>
+          <a:lstStyle/>
+          <a:p>
+            <a:r>
+              <a:t>Applications of Neural Networks</a:t>
+            </a:r>
+          </a:p>
+        </p:txBody>
+      </p:sp>
+      <p:sp>
+        <p:nvSpPr>
+          <p:cNvPr id="3" name="Content Placeholder 2"/>
+          <p:cNvSpPr>
+            <a:spLocks noGrp="1"/>
+          </p:cNvSpPr>
+          <p:nvPr>
+            <p:ph idx="1"/>
+          </p:nvPr>
+        </p:nvSpPr>
+        <p:spPr/>
+        <p:txBody>
+          <a:bodyPr/>
+          <a:lstStyle/>
+          <a:p/>
+          <a:p>
+            <a:pPr>
+              <a:lnSpc>
+                <a:spcPct val="115000"/>
+              </a:lnSpc>
+              <a:defRPr sz="1800"/>
+            </a:pPr>
+            <a:r>
+              <a:t>Image recognition and classification.</a:t>
+            </a:r>
+          </a:p>
+          <a:p>
+            <a:pPr>
+              <a:lnSpc>
+                <a:spcPct val="115000"/>
+              </a:lnSpc>
+              <a:defRPr sz="1800"/>
+            </a:pPr>
+            <a:r>
+              <a:t>Natural language processing (NLP).</a:t>
+            </a:r>
+          </a:p>
+          <a:p>
+            <a:pPr>
+              <a:lnSpc>
+                <a:spcPct val="115000"/>
+              </a:lnSpc>
+              <a:defRPr sz="1800"/>
+            </a:pPr>
+            <a:r>
+              <a:t>Speech recognition.</a:t>
+            </a:r>
+          </a:p>
+          <a:p>
+            <a:pPr>
+              <a:lnSpc>
+                <a:spcPct val="115000"/>
+              </a:lnSpc>
+              <a:defRPr sz="1800"/>
+            </a:pPr>
+            <a:r>
+              <a:t>Machine translation.</a:t>
+            </a:r>
+          </a:p>
+          <a:p>
+            <a:pPr>
+              <a:lnSpc>
+                <a:spcPct val="115000"/>
+              </a:lnSpc>
+              <a:defRPr sz="1800"/>
+            </a:pPr>
+            <a:r>
+              <a:t>Self-driving cars.</a:t>
+            </a:r>
+          </a:p>
+          <a:p>
+            <a:pPr>
+              <a:lnSpc>
+                <a:spcPct val="115000"/>
+              </a:lnSpc>
+              <a:defRPr sz="1800"/>
+            </a:pPr>
+            <a:r>
+              <a:t>Medical diagnosis.</a:t>
+            </a:r>
+          </a:p>
+          <a:p>
+            <a:pPr>
+              <a:lnSpc>
+                <a:spcPct val="115000"/>
+              </a:lnSpc>
+              <a:defRPr sz="1800"/>
+            </a:pPr>
+            <a:r>
+              <a:t>Financial modeling.</a:t>
+            </a:r>
+          </a:p>
+        </p:txBody>
+      </p:sp>
+    </p:spTree>
+  </p:cSld>
+  <p:clrMapOvr>
+    <a:masterClrMapping/>
+  </p:clrMapOvr>
+</p:sld>
+</file>
+
+<file path=ppt/slides/slide15.xml><?xml version="1.0" encoding="utf-8"?>
+<p:sld xmlns:a="http://schemas.openxmlformats.org/drawingml/2006/main" xmlns:p="http://schemas.openxmlformats.org/presentationml/2006/main" xmlns:r="http://schemas.openxmlformats.org/officeDocument/2006/relationships">
+  <p:cSld>
+    <p:spTree>
+      <p:nvGrpSpPr>
+        <p:cNvPr id="1" name=""/>
+        <p:cNvGrpSpPr/>
+        <p:nvPr/>
+      </p:nvGrpSpPr>
+      <p:grpSpPr/>
+      <p:sp>
+        <p:nvSpPr>
+          <p:cNvPr id="2" name="TextBox 1"/>
+          <p:cNvSpPr txBox="1"/>
+          <p:nvPr/>
+        </p:nvSpPr>
+        <p:spPr>
+          <a:xfrm>
+            <a:off x="457200" y="457200"/>
+            <a:ext cx="8229600" cy="914400"/>
+          </a:xfrm>
+          <a:prstGeom prst="rect">
+            <a:avLst/>
+          </a:prstGeom>
+          <a:noFill/>
+        </p:spPr>
+        <p:txBody>
+          <a:bodyPr wrap="none">
+            <a:spAutoFit/>
+          </a:bodyPr>
+          <a:lstStyle/>
+          <a:p>
+            <a:pPr>
+              <a:defRPr sz="3200" b="1"/>
+            </a:pPr>
+            <a:r>
+              <a:t>Applications of Neural Networks - Visual Content</a:t>
+            </a:r>
+          </a:p>
+        </p:txBody>
+      </p:sp>
+      <p:pic>
+        <p:nvPicPr>
+          <p:cNvPr id="3" name="Picture 2" descr="page_8_img_8.jpg"/>
+          <p:cNvPicPr>
+            <a:picLocks noChangeAspect="1"/>
+          </p:cNvPicPr>
+          <p:nvPr/>
+        </p:nvPicPr>
+        <p:blipFill>
+          <a:blip r:embed="rId2"/>
+          <a:stretch>
+            <a:fillRect/>
+          </a:stretch>
+        </p:blipFill>
+        <p:spPr>
+          <a:xfrm>
+            <a:off x="914400" y="1371600"/>
+            <a:ext cx="7315200" cy="4114800"/>
+          </a:xfrm>
+          <a:prstGeom prst="rect">
+            <a:avLst/>
+          </a:prstGeom>
+        </p:spPr>
+      </p:pic>
+      <p:sp>
+        <p:nvSpPr>
+          <p:cNvPr id="4" name="TextBox 3"/>
+          <p:cNvSpPr txBox="1"/>
+          <p:nvPr/>
+        </p:nvSpPr>
+        <p:spPr>
+          <a:xfrm>
+            <a:off x="914400" y="5577840"/>
+            <a:ext cx="7315200" cy="274320"/>
+          </a:xfrm>
+          <a:prstGeom prst="rect">
+            <a:avLst/>
+          </a:prstGeom>
+          <a:noFill/>
+        </p:spPr>
+        <p:txBody>
+          <a:bodyPr wrap="none">
+            <a:spAutoFit/>
+          </a:bodyPr>
+          <a:lstStyle/>
+          <a:p>
+            <a:pPr algn="ctr">
+              <a:defRPr sz="1000" i="1"/>
+            </a:pPr>
+            <a:r>
+              <a:t>Neural Networks</a:t>
+            </a:r>
+          </a:p>
+        </p:txBody>
+      </p:sp>
+    </p:spTree>
+  </p:cSld>
+  <p:clrMapOvr>
+    <a:masterClrMapping/>
+  </p:clrMapOvr>
+</p:sld>
+</file>
+
+<file path=ppt/slides/slide16.xml><?xml version="1.0" encoding="utf-8"?>
+<p:sld xmlns:a="http://schemas.openxmlformats.org/drawingml/2006/main" xmlns:p="http://schemas.openxmlformats.org/presentationml/2006/main" xmlns:r="http://schemas.openxmlformats.org/officeDocument/2006/relationships">
+  <p:cSld>
+    <p:spTree>
+      <p:nvGrpSpPr>
+        <p:cNvPr id="1" name=""/>
+        <p:cNvGrpSpPr/>
+        <p:nvPr/>
+      </p:nvGrpSpPr>
+      <p:grpSpPr/>
+      <p:sp>
+        <p:nvSpPr>
+          <p:cNvPr id="2" name="Title 1"/>
+          <p:cNvSpPr>
+            <a:spLocks noGrp="1"/>
+          </p:cNvSpPr>
+          <p:nvPr>
+            <p:ph type="title"/>
+          </p:nvPr>
+        </p:nvSpPr>
+        <p:spPr/>
+        <p:txBody>
+          <a:bodyPr/>
+          <a:lstStyle/>
+          <a:p>
+            <a:r>
+              <a:t>Challenges and Limitations</a:t>
+            </a:r>
+          </a:p>
+        </p:txBody>
+      </p:sp>
+      <p:sp>
+        <p:nvSpPr>
+          <p:cNvPr id="3" name="Content Placeholder 2"/>
+          <p:cNvSpPr>
+            <a:spLocks noGrp="1"/>
+          </p:cNvSpPr>
+          <p:nvPr>
+            <p:ph idx="1"/>
+          </p:nvPr>
+        </p:nvSpPr>
+        <p:spPr/>
+        <p:txBody>
+          <a:bodyPr/>
+          <a:lstStyle/>
+          <a:p/>
+          <a:p>
+            <a:pPr>
+              <a:lnSpc>
+                <a:spcPct val="115000"/>
+              </a:lnSpc>
+              <a:defRPr sz="1800"/>
+            </a:pPr>
+            <a:r>
+              <a:t>Overfitting and underfitting.</a:t>
+            </a:r>
+          </a:p>
+          <a:p>
+            <a:pPr>
+              <a:lnSpc>
+                <a:spcPct val="115000"/>
+              </a:lnSpc>
+              <a:defRPr sz="1800"/>
+            </a:pPr>
+            <a:r>
+              <a:t>Computational cost and time.</a:t>
+            </a:r>
+          </a:p>
+          <a:p>
+            <a:pPr>
+              <a:lnSpc>
+                <a:spcPct val="115000"/>
+              </a:lnSpc>
+              <a:defRPr sz="1800"/>
+            </a:pPr>
+            <a:r>
+              <a:t>Data requirements (large datasets).</a:t>
+            </a:r>
+          </a:p>
+          <a:p>
+            <a:pPr>
+              <a:lnSpc>
+                <a:spcPct val="115000"/>
+              </a:lnSpc>
+              <a:defRPr sz="1800"/>
+            </a:pPr>
+            <a:r>
+              <a:t>Interpretability (black box problem).</a:t>
+            </a:r>
+          </a:p>
+          <a:p>
+            <a:pPr>
+              <a:lnSpc>
+                <a:spcPct val="115000"/>
+              </a:lnSpc>
+              <a:defRPr sz="1800"/>
+            </a:pPr>
+            <a:r>
+              <a:t>Bias and fairness concerns.</a:t>
+            </a:r>
+          </a:p>
+          <a:p>
+            <a:pPr>
+              <a:lnSpc>
+                <a:spcPct val="115000"/>
+              </a:lnSpc>
+              <a:defRPr sz="1800"/>
+            </a:pPr>
+            <a:r>
+              <a:t>Hardware limitations.</a:t>
+            </a:r>
+          </a:p>
+        </p:txBody>
+      </p:sp>
+    </p:spTree>
+  </p:cSld>
+  <p:clrMapOvr>
+    <a:masterClrMapping/>
+  </p:clrMapOvr>
+</p:sld>
+</file>
+
+<file path=ppt/slides/slide17.xml><?xml version="1.0" encoding="utf-8"?>
+<p:sld xmlns:a="http://schemas.openxmlformats.org/drawingml/2006/main" xmlns:p="http://schemas.openxmlformats.org/presentationml/2006/main" xmlns:r="http://schemas.openxmlformats.org/officeDocument/2006/relationships">
+  <p:cSld>
+    <p:spTree>
+      <p:nvGrpSpPr>
+        <p:cNvPr id="1" name=""/>
+        <p:cNvGrpSpPr/>
+        <p:nvPr/>
+      </p:nvGrpSpPr>
+      <p:grpSpPr/>
+      <p:sp>
+        <p:nvSpPr>
+          <p:cNvPr id="2" name="Title 1"/>
+          <p:cNvSpPr>
+            <a:spLocks noGrp="1"/>
+          </p:cNvSpPr>
+          <p:nvPr>
+            <p:ph type="title"/>
+          </p:nvPr>
+        </p:nvSpPr>
+        <p:spPr/>
+        <p:txBody>
+          <a:bodyPr/>
+          <a:lstStyle/>
+          <a:p>
+            <a:r>
+              <a:t>The Future of Neural Networks</a:t>
+            </a:r>
+          </a:p>
+        </p:txBody>
+      </p:sp>
+      <p:sp>
+        <p:nvSpPr>
+          <p:cNvPr id="3" name="Content Placeholder 2"/>
+          <p:cNvSpPr>
+            <a:spLocks noGrp="1"/>
+          </p:cNvSpPr>
+          <p:nvPr>
+            <p:ph idx="1"/>
+          </p:nvPr>
+        </p:nvSpPr>
+        <p:spPr/>
+        <p:txBody>
+          <a:bodyPr/>
+          <a:lstStyle/>
+          <a:p/>
+          <a:p>
+            <a:pPr>
+              <a:lnSpc>
+                <a:spcPct val="115000"/>
+              </a:lnSpc>
+              <a:defRPr sz="1800"/>
+            </a:pPr>
+            <a:r>
+              <a:t>Advancements in hardware (specialized chips).</a:t>
+            </a:r>
+          </a:p>
+          <a:p>
+            <a:pPr>
+              <a:lnSpc>
+                <a:spcPct val="115000"/>
+              </a:lnSpc>
+              <a:defRPr sz="1800"/>
+            </a:pPr>
+            <a:r>
+              <a:t>New architectures and algorithms.</a:t>
+            </a:r>
+          </a:p>
+          <a:p>
+            <a:pPr>
+              <a:lnSpc>
+                <a:spcPct val="115000"/>
+              </a:lnSpc>
+              <a:defRPr sz="1800"/>
+            </a:pPr>
+            <a:r>
+              <a:t>Explainable AI (XAI).</a:t>
+            </a:r>
+          </a:p>
+          <a:p>
+            <a:pPr>
+              <a:lnSpc>
+                <a:spcPct val="115000"/>
+              </a:lnSpc>
+              <a:defRPr sz="1800"/>
+            </a:pPr>
+            <a:r>
+              <a:t>Integration with other technologies (e.g., quantum computing).</a:t>
+            </a:r>
+          </a:p>
+          <a:p>
+            <a:pPr>
+              <a:lnSpc>
+                <a:spcPct val="115000"/>
+              </a:lnSpc>
+              <a:defRPr sz="1800"/>
+            </a:pPr>
+            <a:r>
+              <a:t>Ethical considerations and responsible AI development.</a:t>
+            </a:r>
+          </a:p>
+          <a:p>
+            <a:pPr>
+              <a:lnSpc>
+                <a:spcPct val="115000"/>
+              </a:lnSpc>
+              <a:defRPr sz="1800"/>
+            </a:pPr>
+            <a:r>
+              <a:t>Increased focus on energy efficiency.</a:t>
+            </a:r>
+          </a:p>
+        </p:txBody>
+      </p:sp>
+    </p:spTree>
+  </p:cSld>
+  <p:clrMapOvr>
+    <a:masterClrMapping/>
+  </p:clrMapOvr>
+</p:sld>
+</file>
+
+<file path=ppt/slides/slide18.xml><?xml version="1.0" encoding="utf-8"?>
+<p:sld xmlns:a="http://schemas.openxmlformats.org/drawingml/2006/main" xmlns:p="http://schemas.openxmlformats.org/presentationml/2006/main" xmlns:r="http://schemas.openxmlformats.org/officeDocument/2006/relationships">
+  <p:cSld>
+    <p:spTree>
+      <p:nvGrpSpPr>
+        <p:cNvPr id="1" name=""/>
+        <p:cNvGrpSpPr/>
+        <p:nvPr/>
+      </p:nvGrpSpPr>
+      <p:grpSpPr/>
+      <p:sp>
+        <p:nvSpPr>
+          <p:cNvPr id="2" name="Title 1"/>
+          <p:cNvSpPr>
+            <a:spLocks noGrp="1"/>
+          </p:cNvSpPr>
+          <p:nvPr>
+            <p:ph type="title"/>
+          </p:nvPr>
+        </p:nvSpPr>
+        <p:spPr/>
+        <p:txBody>
+          <a:bodyPr/>
+          <a:lstStyle/>
+          <a:p>
+            <a:r>
+              <a:t>Conclusion: Key Takeaways and Future Directions</a:t>
+            </a:r>
+          </a:p>
+        </p:txBody>
+      </p:sp>
+      <p:sp>
+        <p:nvSpPr>
+          <p:cNvPr id="3" name="Content Placeholder 2"/>
+          <p:cNvSpPr>
+            <a:spLocks noGrp="1"/>
+          </p:cNvSpPr>
+          <p:nvPr>
+            <p:ph idx="1"/>
+          </p:nvPr>
+        </p:nvSpPr>
+        <p:spPr/>
+        <p:txBody>
+          <a:bodyPr/>
+          <a:lstStyle/>
+          <a:p/>
+          <a:p>
+            <a:pPr>
+              <a:lnSpc>
+                <a:spcPct val="115000"/>
+              </a:lnSpc>
+              <a:defRPr sz="1800"/>
+            </a:pPr>
+            <a:r>
+              <a:t>Neural networks are powerful tools for various applications.</a:t>
+            </a:r>
+          </a:p>
+          <a:p>
+            <a:pPr>
+              <a:lnSpc>
+                <a:spcPct val="115000"/>
+              </a:lnSpc>
+              <a:defRPr sz="1800"/>
+            </a:pPr>
+            <a:r>
+              <a:t>Understanding their architecture and training is crucial.</a:t>
+            </a:r>
+          </a:p>
+          <a:p>
+            <a:pPr>
+              <a:lnSpc>
+                <a:spcPct val="115000"/>
+              </a:lnSpc>
+              <a:defRPr sz="1800"/>
+            </a:pPr>
+            <a:r>
+              <a:t>Challenges remain, but ongoing research is addressing them.</a:t>
+            </a:r>
+          </a:p>
+          <a:p>
+            <a:pPr>
+              <a:lnSpc>
+                <a:spcPct val="115000"/>
+              </a:lnSpc>
+              <a:defRPr sz="1800"/>
+            </a:pPr>
+            <a:r>
+              <a:t>The future of neural networks is bright, with potential for significant advancements.</a:t>
+            </a:r>
+          </a:p>
+          <a:p>
+            <a:pPr>
+              <a:lnSpc>
+                <a:spcPct val="115000"/>
+              </a:lnSpc>
+              <a:defRPr sz="1800"/>
+            </a:pPr>
+            <a:r>
+              <a:t>Ethical considerations are paramount in their development and deployment.</a:t>
+            </a:r>
+          </a:p>
+        </p:txBody>
+      </p:sp>
+    </p:spTree>
+  </p:cSld>
+  <p:clrMapOvr>
+    <a:masterClrMapping/>
+  </p:clrMapOvr>
+</p:sld>
+</file>
+
+<file path=ppt/slides/slide19.xml><?xml version="1.0" encoding="utf-8"?>
+<p:sld xmlns:a="http://schemas.openxmlformats.org/drawingml/2006/main" xmlns:p="http://schemas.openxmlformats.org/presentationml/2006/main" xmlns:r="http://schemas.openxmlformats.org/officeDocument/2006/relationships">
+  <p:cSld>
+    <p:spTree>
+      <p:nvGrpSpPr>
+        <p:cNvPr id="1" name=""/>
+        <p:cNvGrpSpPr/>
+        <p:nvPr/>
+      </p:nvGrpSpPr>
+      <p:grpSpPr/>
+      <p:sp>
+        <p:nvSpPr>
+          <p:cNvPr id="2" name="TextBox 1"/>
+          <p:cNvSpPr txBox="1"/>
+          <p:nvPr/>
+        </p:nvSpPr>
+        <p:spPr>
+          <a:xfrm>
+            <a:off x="457200" y="457200"/>
+            <a:ext cx="8229600" cy="914400"/>
+          </a:xfrm>
+          <a:prstGeom prst="rect">
+            <a:avLst/>
+          </a:prstGeom>
+          <a:noFill/>
+        </p:spPr>
+        <p:txBody>
+          <a:bodyPr wrap="none">
+            <a:spAutoFit/>
+          </a:bodyPr>
+          <a:lstStyle/>
+          <a:p>
+            <a:pPr>
+              <a:defRPr sz="3200" b="1"/>
+            </a:pPr>
+            <a:r>
+              <a:t>Index - Additional Visual Content</a:t>
+            </a:r>
+          </a:p>
+        </p:txBody>
+      </p:sp>
+      <p:pic>
+        <p:nvPicPr>
+          <p:cNvPr id="3" name="Picture 2" descr="page_1_img_1.jpg"/>
+          <p:cNvPicPr>
+            <a:picLocks noChangeAspect="1"/>
+          </p:cNvPicPr>
+          <p:nvPr/>
+        </p:nvPicPr>
+        <p:blipFill>
+          <a:blip r:embed="rId2"/>
+          <a:stretch>
+            <a:fillRect/>
+          </a:stretch>
+        </p:blipFill>
+        <p:spPr>
+          <a:xfrm>
+            <a:off x="914400" y="1371600"/>
+            <a:ext cx="7315200" cy="4114800"/>
+          </a:xfrm>
+          <a:prstGeom prst="rect">
+            <a:avLst/>
+          </a:prstGeom>
+        </p:spPr>
+      </p:pic>
+      <p:sp>
+        <p:nvSpPr>
+          <p:cNvPr id="4" name="TextBox 3"/>
+          <p:cNvSpPr txBox="1"/>
+          <p:nvPr/>
+        </p:nvSpPr>
+        <p:spPr>
+          <a:xfrm>
+            <a:off x="914400" y="5577840"/>
+            <a:ext cx="7315200" cy="274320"/>
+          </a:xfrm>
+          <a:prstGeom prst="rect">
+            <a:avLst/>
+          </a:prstGeom>
+          <a:noFill/>
+        </p:spPr>
+        <p:txBody>
+          <a:bodyPr wrap="none">
+            <a:spAutoFit/>
+          </a:bodyPr>
+          <a:lstStyle/>
+          <a:p>
+            <a:pPr algn="ctr">
+              <a:defRPr sz="1000" i="1"/>
+            </a:pPr>
+            <a:r>
+              <a:t>Introduction to Neural Networks</a:t>
             </a:r>
           </a:p>
         </p:txBody>
@@ -6410,7 +7233,7 @@
         </p:nvSpPr>
         <p:spPr>
           <a:xfrm>
-            <a:off x="914400" y="3657600"/>
+            <a:off x="914400" y="1828800"/>
             <a:ext cx="7315200" cy="914400"/>
           </a:xfrm>
           <a:prstGeom prst="rect">
@@ -6424,15 +7247,115 @@
           </a:bodyPr>
           <a:lstStyle/>
           <a:p>
+            <a:pPr>
+              <a:defRPr sz="1800" i="1"/>
+            </a:pPr>
+            <a:r>
+              <a:t>Created by: Aditya</a:t>
+            </a:r>
+          </a:p>
+        </p:txBody>
+      </p:sp>
+    </p:spTree>
+  </p:cSld>
+  <p:clrMapOvr>
+    <a:masterClrMapping/>
+  </p:clrMapOvr>
+</p:sld>
+</file>
+
+<file path=ppt/slides/slide20.xml><?xml version="1.0" encoding="utf-8"?>
+<p:sld xmlns:a="http://schemas.openxmlformats.org/drawingml/2006/main" xmlns:p="http://schemas.openxmlformats.org/presentationml/2006/main" xmlns:r="http://schemas.openxmlformats.org/officeDocument/2006/relationships">
+  <p:cSld>
+    <p:spTree>
+      <p:nvGrpSpPr>
+        <p:cNvPr id="1" name=""/>
+        <p:cNvGrpSpPr/>
+        <p:nvPr/>
+      </p:nvGrpSpPr>
+      <p:grpSpPr/>
+      <p:sp>
+        <p:nvSpPr>
+          <p:cNvPr id="2" name="TextBox 1"/>
+          <p:cNvSpPr txBox="1"/>
+          <p:nvPr/>
+        </p:nvSpPr>
+        <p:spPr>
+          <a:xfrm>
+            <a:off x="457200" y="457200"/>
+            <a:ext cx="8229600" cy="914400"/>
+          </a:xfrm>
+          <a:prstGeom prst="rect">
+            <a:avLst/>
+          </a:prstGeom>
+          <a:noFill/>
+        </p:spPr>
+        <p:txBody>
+          <a:bodyPr wrap="none">
+            <a:spAutoFit/>
+          </a:bodyPr>
+          <a:lstStyle/>
+          <a:p>
+            <a:pPr>
+              <a:defRPr sz="3200" b="1"/>
+            </a:pPr>
+            <a:r>
+              <a:t>Introduction to Neural Networks - Additional Visual Content</a:t>
+            </a:r>
+          </a:p>
+        </p:txBody>
+      </p:sp>
+      <p:pic>
+        <p:nvPicPr>
+          <p:cNvPr id="3" name="Picture 2" descr="page_2_img_2.jpg"/>
+          <p:cNvPicPr>
+            <a:picLocks noChangeAspect="1"/>
+          </p:cNvPicPr>
+          <p:nvPr/>
+        </p:nvPicPr>
+        <p:blipFill>
+          <a:blip r:embed="rId2"/>
+          <a:stretch>
+            <a:fillRect/>
+          </a:stretch>
+        </p:blipFill>
+        <p:spPr>
+          <a:xfrm>
+            <a:off x="914400" y="1371600"/>
+            <a:ext cx="7315200" cy="4114800"/>
+          </a:xfrm>
+          <a:prstGeom prst="rect">
+            <a:avLst/>
+          </a:prstGeom>
+        </p:spPr>
+      </p:pic>
+      <p:sp>
+        <p:nvSpPr>
+          <p:cNvPr id="4" name="TextBox 3"/>
+          <p:cNvSpPr txBox="1"/>
+          <p:nvPr/>
+        </p:nvSpPr>
+        <p:spPr>
+          <a:xfrm>
+            <a:off x="914400" y="5577840"/>
+            <a:ext cx="7315200" cy="274320"/>
+          </a:xfrm>
+          <a:prstGeom prst="rect">
+            <a:avLst/>
+          </a:prstGeom>
+          <a:noFill/>
+        </p:spPr>
+        <p:txBody>
+          <a:bodyPr wrap="none">
+            <a:spAutoFit/>
+          </a:bodyPr>
+          <a:lstStyle/>
+          <a:p>
             <a:pPr algn="ctr">
-              <a:defRPr sz="1800">
-                <a:solidFill>
-                  <a:srgbClr val="595959"/>
-                </a:solidFill>
-              </a:defRPr>
+              <a:defRPr sz="1000" i="1"/>
             </a:pPr>
             <a:r>
-              <a:t>Created by: Aditya</a:t>
+              <a:t>Biological Inspiration and Artificial Neurons</a:t>
             </a:r>
           </a:p>
         </p:txBody>
@@ -6510,7 +7433,7 @@
               <a:defRPr sz="1800"/>
             </a:pPr>
             <a:r>
-              <a:t>2. The Biological Inspiration</a:t>
+              <a:t>2. Biological Inspiration and Artificial Neurons</a:t>
             </a:r>
           </a:p>
           <a:p>
@@ -6521,7 +7444,7 @@
               <a:defRPr sz="1800"/>
             </a:pPr>
             <a:r>
-              <a:t>3. Architecture of a Neural Network</a:t>
+              <a:t>3. Types of Neural Networks</a:t>
             </a:r>
           </a:p>
           <a:p>
@@ -6532,7 +7455,7 @@
               <a:defRPr sz="1800"/>
             </a:pPr>
             <a:r>
-              <a:t>4. Types of Neural Networks</a:t>
+              <a:t>4. The Perceptron: A Building Block</a:t>
             </a:r>
           </a:p>
           <a:p>
@@ -6565,7 +7488,7 @@
               <a:defRPr sz="1800"/>
             </a:pPr>
             <a:r>
-              <a:t>7. Advantages and Disadvantages of Neural Networks</a:t>
+              <a:t>7. Challenges and Limitations</a:t>
             </a:r>
           </a:p>
           <a:p>
@@ -6654,7 +7577,7 @@
               <a:defRPr sz="1800"/>
             </a:pPr>
             <a:r>
-              <a:t>What are neural networks?</a:t>
+              <a:t>What are Neural Networks?</a:t>
             </a:r>
           </a:p>
           <a:p>
@@ -6665,7 +7588,7 @@
               <a:defRPr sz="1800"/>
             </a:pPr>
             <a:r>
-              <a:t>• A brief history of neural networks.</a:t>
+              <a:t>Connectionist approach to computation.</a:t>
             </a:r>
           </a:p>
           <a:p>
@@ -6676,7 +7599,7 @@
               <a:defRPr sz="1800"/>
             </a:pPr>
             <a:r>
-              <a:t>• The concept of interconnected nodes (neurons).</a:t>
+              <a:t>Inspired by the human brain.</a:t>
             </a:r>
           </a:p>
           <a:p>
@@ -6687,7 +7610,7 @@
               <a:defRPr sz="1800"/>
             </a:pPr>
             <a:r>
-              <a:t>• Processing information through weighted connections.</a:t>
+              <a:t>Ability to learn from data.</a:t>
             </a:r>
           </a:p>
           <a:p>
@@ -6698,7 +7621,7 @@
               <a:defRPr sz="1800"/>
             </a:pPr>
             <a:r>
-              <a:t>• The role of activation functions.</a:t>
+              <a:t>Used for pattern recognition, prediction, and decision-making.</a:t>
             </a:r>
           </a:p>
           <a:p>
@@ -6709,7 +7632,7 @@
               <a:defRPr sz="1800"/>
             </a:pPr>
             <a:r>
-              <a:t>• Simple analogy to the human brain.</a:t>
+              <a:t>Key components: neurons, weights, biases, layers.</a:t>
             </a:r>
           </a:p>
         </p:txBody>
@@ -6734,93 +7657,86 @@
       <p:grpSpPr/>
       <p:sp>
         <p:nvSpPr>
-          <p:cNvPr id="2" name="Title 1"/>
-          <p:cNvSpPr>
-            <a:spLocks noGrp="1"/>
-          </p:cNvSpPr>
-          <p:nvPr>
-            <p:ph type="title"/>
-          </p:nvPr>
-        </p:nvSpPr>
-        <p:spPr/>
-        <p:txBody>
-          <a:bodyPr/>
-          <a:lstStyle/>
-          <a:p>
-            <a:r>
-              <a:t>The Biological Inspiration</a:t>
-            </a:r>
-          </a:p>
-        </p:txBody>
-      </p:sp>
-      <p:sp>
-        <p:nvSpPr>
-          <p:cNvPr id="3" name="Content Placeholder 2"/>
-          <p:cNvSpPr>
-            <a:spLocks noGrp="1"/>
-          </p:cNvSpPr>
-          <p:nvPr>
-            <p:ph idx="1"/>
-          </p:nvPr>
-        </p:nvSpPr>
-        <p:spPr/>
-        <p:txBody>
-          <a:bodyPr/>
-          <a:lstStyle/>
-          <a:p/>
+          <p:cNvPr id="2" name="TextBox 1"/>
+          <p:cNvSpPr txBox="1"/>
+          <p:nvPr/>
+        </p:nvSpPr>
+        <p:spPr>
+          <a:xfrm>
+            <a:off x="457200" y="457200"/>
+            <a:ext cx="8229600" cy="914400"/>
+          </a:xfrm>
+          <a:prstGeom prst="rect">
+            <a:avLst/>
+          </a:prstGeom>
+          <a:noFill/>
+        </p:spPr>
+        <p:txBody>
+          <a:bodyPr wrap="none">
+            <a:spAutoFit/>
+          </a:bodyPr>
+          <a:lstStyle/>
           <a:p>
             <a:pPr>
-              <a:lnSpc>
-                <a:spcPct val="115000"/>
-              </a:lnSpc>
-              <a:defRPr sz="1800"/>
+              <a:defRPr sz="3200" b="1"/>
             </a:pPr>
             <a:r>
-              <a:t>• Neurons and synapses in the human brain.</a:t>
-            </a:r>
-          </a:p>
-          <a:p>
-            <a:pPr>
-              <a:lnSpc>
-                <a:spcPct val="115000"/>
-              </a:lnSpc>
-              <a:defRPr sz="1800"/>
+              <a:t>Introduction to Neural Networks - Visual Content</a:t>
+            </a:r>
+          </a:p>
+        </p:txBody>
+      </p:sp>
+      <p:pic>
+        <p:nvPicPr>
+          <p:cNvPr id="3" name="Picture 2" descr="page_3_img_3.jpg"/>
+          <p:cNvPicPr>
+            <a:picLocks noChangeAspect="1"/>
+          </p:cNvPicPr>
+          <p:nvPr/>
+        </p:nvPicPr>
+        <p:blipFill>
+          <a:blip r:embed="rId2"/>
+          <a:stretch>
+            <a:fillRect/>
+          </a:stretch>
+        </p:blipFill>
+        <p:spPr>
+          <a:xfrm>
+            <a:off x="914400" y="1371600"/>
+            <a:ext cx="7315200" cy="4114800"/>
+          </a:xfrm>
+          <a:prstGeom prst="rect">
+            <a:avLst/>
+          </a:prstGeom>
+        </p:spPr>
+      </p:pic>
+      <p:sp>
+        <p:nvSpPr>
+          <p:cNvPr id="4" name="TextBox 3"/>
+          <p:cNvSpPr txBox="1"/>
+          <p:nvPr/>
+        </p:nvSpPr>
+        <p:spPr>
+          <a:xfrm>
+            <a:off x="914400" y="5577840"/>
+            <a:ext cx="7315200" cy="274320"/>
+          </a:xfrm>
+          <a:prstGeom prst="rect">
+            <a:avLst/>
+          </a:prstGeom>
+          <a:noFill/>
+        </p:spPr>
+        <p:txBody>
+          <a:bodyPr wrap="none">
+            <a:spAutoFit/>
+          </a:bodyPr>
+          <a:lstStyle/>
+          <a:p>
+            <a:pPr algn="ctr">
+              <a:defRPr sz="1000" i="1"/>
             </a:pPr>
             <a:r>
-              <a:t>• Signal transmission and processing.</a:t>
-            </a:r>
-          </a:p>
-          <a:p>
-            <a:pPr>
-              <a:lnSpc>
-                <a:spcPct val="115000"/>
-              </a:lnSpc>
-              <a:defRPr sz="1800"/>
-            </a:pPr>
-            <a:r>
-              <a:t>• Parallel processing capabilities.</a:t>
-            </a:r>
-          </a:p>
-          <a:p>
-            <a:pPr>
-              <a:lnSpc>
-                <a:spcPct val="115000"/>
-              </a:lnSpc>
-              <a:defRPr sz="1800"/>
-            </a:pPr>
-            <a:r>
-              <a:t>• Learning and adaptation through synaptic plasticity.</a:t>
-            </a:r>
-          </a:p>
-          <a:p>
-            <a:pPr>
-              <a:lnSpc>
-                <a:spcPct val="115000"/>
-              </a:lnSpc>
-              <a:defRPr sz="1800"/>
-            </a:pPr>
-            <a:r>
-              <a:t>• Inspiration for artificial neural networks.</a:t>
+              <a:t>Types of Neural Networks</a:t>
             </a:r>
           </a:p>
         </p:txBody>
@@ -6859,7 +7775,7 @@
           <a:lstStyle/>
           <a:p>
             <a:r>
-              <a:t>Architecture of a Neural Network</a:t>
+              <a:t>Biological Inspiration and Artificial Neurons</a:t>
             </a:r>
           </a:p>
         </p:txBody>
@@ -6887,7 +7803,7 @@
               <a:defRPr sz="1800"/>
             </a:pPr>
             <a:r>
-              <a:t>• Input layer: Receiving data.</a:t>
+              <a:t>Biological neurons and their signaling.</a:t>
             </a:r>
           </a:p>
           <a:p>
@@ -6898,7 +7814,7 @@
               <a:defRPr sz="1800"/>
             </a:pPr>
             <a:r>
-              <a:t>• Hidden layers: Feature extraction and transformation.</a:t>
+              <a:t>The structure of a biological neuron (dendrites, soma, axon).</a:t>
             </a:r>
           </a:p>
           <a:p>
@@ -6909,7 +7825,7 @@
               <a:defRPr sz="1800"/>
             </a:pPr>
             <a:r>
-              <a:t>• Output layer: Producing results.</a:t>
+              <a:t>Mapping biological neurons to artificial neurons.</a:t>
             </a:r>
           </a:p>
           <a:p>
@@ -6920,7 +7836,7 @@
               <a:defRPr sz="1800"/>
             </a:pPr>
             <a:r>
-              <a:t>• Connections (weights) and biases.</a:t>
+              <a:t>Simplified model of neuron activation.</a:t>
             </a:r>
           </a:p>
           <a:p>
@@ -6931,7 +7847,7 @@
               <a:defRPr sz="1800"/>
             </a:pPr>
             <a:r>
-              <a:t>• Feedforward vs. recurrent networks.</a:t>
+              <a:t>Weighted inputs and activation functions.</a:t>
             </a:r>
           </a:p>
         </p:txBody>
@@ -6956,93 +7872,86 @@
       <p:grpSpPr/>
       <p:sp>
         <p:nvSpPr>
-          <p:cNvPr id="2" name="Title 1"/>
-          <p:cNvSpPr>
-            <a:spLocks noGrp="1"/>
-          </p:cNvSpPr>
-          <p:nvPr>
-            <p:ph type="title"/>
-          </p:nvPr>
-        </p:nvSpPr>
-        <p:spPr/>
-        <p:txBody>
-          <a:bodyPr/>
-          <a:lstStyle/>
-          <a:p>
-            <a:r>
-              <a:t>Types of Neural Networks</a:t>
-            </a:r>
-          </a:p>
-        </p:txBody>
-      </p:sp>
-      <p:sp>
-        <p:nvSpPr>
-          <p:cNvPr id="3" name="Content Placeholder 2"/>
-          <p:cNvSpPr>
-            <a:spLocks noGrp="1"/>
-          </p:cNvSpPr>
-          <p:nvPr>
-            <p:ph idx="1"/>
-          </p:nvPr>
-        </p:nvSpPr>
-        <p:spPr/>
-        <p:txBody>
-          <a:bodyPr/>
-          <a:lstStyle/>
-          <a:p/>
+          <p:cNvPr id="2" name="TextBox 1"/>
+          <p:cNvSpPr txBox="1"/>
+          <p:nvPr/>
+        </p:nvSpPr>
+        <p:spPr>
+          <a:xfrm>
+            <a:off x="457200" y="457200"/>
+            <a:ext cx="8229600" cy="914400"/>
+          </a:xfrm>
+          <a:prstGeom prst="rect">
+            <a:avLst/>
+          </a:prstGeom>
+          <a:noFill/>
+        </p:spPr>
+        <p:txBody>
+          <a:bodyPr wrap="none">
+            <a:spAutoFit/>
+          </a:bodyPr>
+          <a:lstStyle/>
           <a:p>
             <a:pPr>
-              <a:lnSpc>
-                <a:spcPct val="115000"/>
-              </a:lnSpc>
-              <a:defRPr sz="1800"/>
+              <a:defRPr sz="3200" b="1"/>
             </a:pPr>
             <a:r>
-              <a:t>• Feedforward Neural Networks (FNNs)</a:t>
-            </a:r>
-          </a:p>
-          <a:p>
-            <a:pPr>
-              <a:lnSpc>
-                <a:spcPct val="115000"/>
-              </a:lnSpc>
-              <a:defRPr sz="1800"/>
+              <a:t>Biological Inspiration and Artificial Neurons - Visual Content</a:t>
+            </a:r>
+          </a:p>
+        </p:txBody>
+      </p:sp>
+      <p:pic>
+        <p:nvPicPr>
+          <p:cNvPr id="3" name="Picture 2" descr="page_4_img_4.jpg"/>
+          <p:cNvPicPr>
+            <a:picLocks noChangeAspect="1"/>
+          </p:cNvPicPr>
+          <p:nvPr/>
+        </p:nvPicPr>
+        <p:blipFill>
+          <a:blip r:embed="rId2"/>
+          <a:stretch>
+            <a:fillRect/>
+          </a:stretch>
+        </p:blipFill>
+        <p:spPr>
+          <a:xfrm>
+            <a:off x="914400" y="1371600"/>
+            <a:ext cx="7315200" cy="4114800"/>
+          </a:xfrm>
+          <a:prstGeom prst="rect">
+            <a:avLst/>
+          </a:prstGeom>
+        </p:spPr>
+      </p:pic>
+      <p:sp>
+        <p:nvSpPr>
+          <p:cNvPr id="4" name="TextBox 3"/>
+          <p:cNvSpPr txBox="1"/>
+          <p:nvPr/>
+        </p:nvSpPr>
+        <p:spPr>
+          <a:xfrm>
+            <a:off x="914400" y="5577840"/>
+            <a:ext cx="7315200" cy="274320"/>
+          </a:xfrm>
+          <a:prstGeom prst="rect">
+            <a:avLst/>
+          </a:prstGeom>
+          <a:noFill/>
+        </p:spPr>
+        <p:txBody>
+          <a:bodyPr wrap="none">
+            <a:spAutoFit/>
+          </a:bodyPr>
+          <a:lstStyle/>
+          <a:p>
+            <a:pPr algn="ctr">
+              <a:defRPr sz="1000" i="1"/>
             </a:pPr>
             <a:r>
-              <a:t>• Convolutional Neural Networks (CNNs) - image processing</a:t>
-            </a:r>
-          </a:p>
-          <a:p>
-            <a:pPr>
-              <a:lnSpc>
-                <a:spcPct val="115000"/>
-              </a:lnSpc>
-              <a:defRPr sz="1800"/>
-            </a:pPr>
-            <a:r>
-              <a:t>• Recurrent Neural Networks (RNNs) - sequential data</a:t>
-            </a:r>
-          </a:p>
-          <a:p>
-            <a:pPr>
-              <a:lnSpc>
-                <a:spcPct val="115000"/>
-              </a:lnSpc>
-              <a:defRPr sz="1800"/>
-            </a:pPr>
-            <a:r>
-              <a:t>• Long Short-Term Memory networks (LSTMs) - handling long sequences</a:t>
-            </a:r>
-          </a:p>
-          <a:p>
-            <a:pPr>
-              <a:lnSpc>
-                <a:spcPct val="115000"/>
-              </a:lnSpc>
-              <a:defRPr sz="1800"/>
-            </a:pPr>
-            <a:r>
-              <a:t>• Generative Adversarial Networks (GANs) - image generation</a:t>
+              <a:t>The Perceptron: A Building Block</a:t>
             </a:r>
           </a:p>
         </p:txBody>
@@ -7081,7 +7990,7 @@
           <a:lstStyle/>
           <a:p>
             <a:r>
-              <a:t>Training Neural Networks: Backpropagation</a:t>
+              <a:t>Types of Neural Networks</a:t>
             </a:r>
           </a:p>
         </p:txBody>
@@ -7109,7 +8018,7 @@
               <a:defRPr sz="1800"/>
             </a:pPr>
             <a:r>
-              <a:t>• The concept of loss function.</a:t>
+              <a:t>Feedforward Neural Networks (FNNs)</a:t>
             </a:r>
           </a:p>
           <a:p>
@@ -7120,7 +8029,7 @@
               <a:defRPr sz="1800"/>
             </a:pPr>
             <a:r>
-              <a:t>• Gradient descent optimization.</a:t>
+              <a:t>Convolutional Neural Networks (CNNs) - image processing</a:t>
             </a:r>
           </a:p>
           <a:p>
@@ -7131,7 +8040,7 @@
               <a:defRPr sz="1800"/>
             </a:pPr>
             <a:r>
-              <a:t>• Backpropagation algorithm: Calculating gradients.</a:t>
+              <a:t>Recurrent Neural Networks (RNNs) - sequential data</a:t>
             </a:r>
           </a:p>
           <a:p>
@@ -7142,7 +8051,7 @@
               <a:defRPr sz="1800"/>
             </a:pPr>
             <a:r>
-              <a:t>• Weight updates and iterative learning.</a:t>
+              <a:t>Long Short-Term Memory networks (LSTMs) - handling long-term dependencies</a:t>
             </a:r>
           </a:p>
           <a:p>
@@ -7153,7 +8062,18 @@
               <a:defRPr sz="1800"/>
             </a:pPr>
             <a:r>
-              <a:t>• Overfitting and regularization techniques.</a:t>
+              <a:t>Autoencoders - dimensionality reduction and feature extraction</a:t>
+            </a:r>
+          </a:p>
+          <a:p>
+            <a:pPr>
+              <a:lnSpc>
+                <a:spcPct val="115000"/>
+              </a:lnSpc>
+              <a:defRPr sz="1800"/>
+            </a:pPr>
+            <a:r>
+              <a:t>Generative Adversarial Networks (GANs) - generating new data</a:t>
             </a:r>
           </a:p>
         </p:txBody>
@@ -7178,104 +8098,86 @@
       <p:grpSpPr/>
       <p:sp>
         <p:nvSpPr>
-          <p:cNvPr id="2" name="Title 1"/>
-          <p:cNvSpPr>
-            <a:spLocks noGrp="1"/>
-          </p:cNvSpPr>
-          <p:nvPr>
-            <p:ph type="title"/>
-          </p:nvPr>
-        </p:nvSpPr>
-        <p:spPr/>
-        <p:txBody>
-          <a:bodyPr/>
-          <a:lstStyle/>
-          <a:p>
-            <a:r>
-              <a:t>Applications of Neural Networks</a:t>
-            </a:r>
-          </a:p>
-        </p:txBody>
-      </p:sp>
-      <p:sp>
-        <p:nvSpPr>
-          <p:cNvPr id="3" name="Content Placeholder 2"/>
-          <p:cNvSpPr>
-            <a:spLocks noGrp="1"/>
-          </p:cNvSpPr>
-          <p:nvPr>
-            <p:ph idx="1"/>
-          </p:nvPr>
-        </p:nvSpPr>
-        <p:spPr/>
-        <p:txBody>
-          <a:bodyPr/>
-          <a:lstStyle/>
-          <a:p/>
+          <p:cNvPr id="2" name="TextBox 1"/>
+          <p:cNvSpPr txBox="1"/>
+          <p:nvPr/>
+        </p:nvSpPr>
+        <p:spPr>
+          <a:xfrm>
+            <a:off x="457200" y="457200"/>
+            <a:ext cx="8229600" cy="914400"/>
+          </a:xfrm>
+          <a:prstGeom prst="rect">
+            <a:avLst/>
+          </a:prstGeom>
+          <a:noFill/>
+        </p:spPr>
+        <p:txBody>
+          <a:bodyPr wrap="none">
+            <a:spAutoFit/>
+          </a:bodyPr>
+          <a:lstStyle/>
           <a:p>
             <a:pPr>
-              <a:lnSpc>
-                <a:spcPct val="115000"/>
-              </a:lnSpc>
-              <a:defRPr sz="1800"/>
+              <a:defRPr sz="3200" b="1"/>
             </a:pPr>
             <a:r>
-              <a:t>• Image recognition and classification.</a:t>
-            </a:r>
-          </a:p>
-          <a:p>
-            <a:pPr>
-              <a:lnSpc>
-                <a:spcPct val="115000"/>
-              </a:lnSpc>
-              <a:defRPr sz="1800"/>
+              <a:t>Types of Neural Networks - Visual Content</a:t>
+            </a:r>
+          </a:p>
+        </p:txBody>
+      </p:sp>
+      <p:pic>
+        <p:nvPicPr>
+          <p:cNvPr id="3" name="Picture 2" descr="page_5_img_5.jpg"/>
+          <p:cNvPicPr>
+            <a:picLocks noChangeAspect="1"/>
+          </p:cNvPicPr>
+          <p:nvPr/>
+        </p:nvPicPr>
+        <p:blipFill>
+          <a:blip r:embed="rId2"/>
+          <a:stretch>
+            <a:fillRect/>
+          </a:stretch>
+        </p:blipFill>
+        <p:spPr>
+          <a:xfrm>
+            <a:off x="914400" y="1371600"/>
+            <a:ext cx="7315200" cy="4114800"/>
+          </a:xfrm>
+          <a:prstGeom prst="rect">
+            <a:avLst/>
+          </a:prstGeom>
+        </p:spPr>
+      </p:pic>
+      <p:sp>
+        <p:nvSpPr>
+          <p:cNvPr id="4" name="TextBox 3"/>
+          <p:cNvSpPr txBox="1"/>
+          <p:nvPr/>
+        </p:nvSpPr>
+        <p:spPr>
+          <a:xfrm>
+            <a:off x="914400" y="5577840"/>
+            <a:ext cx="7315200" cy="274320"/>
+          </a:xfrm>
+          <a:prstGeom prst="rect">
+            <a:avLst/>
+          </a:prstGeom>
+          <a:noFill/>
+        </p:spPr>
+        <p:txBody>
+          <a:bodyPr wrap="none">
+            <a:spAutoFit/>
+          </a:bodyPr>
+          <a:lstStyle/>
+          <a:p>
+            <a:pPr algn="ctr">
+              <a:defRPr sz="1000" i="1"/>
             </a:pPr>
             <a:r>
-              <a:t>• Natural language processing (NLP).</a:t>
-            </a:r>
-          </a:p>
-          <a:p>
-            <a:pPr>
-              <a:lnSpc>
-                <a:spcPct val="115000"/>
-              </a:lnSpc>
-              <a:defRPr sz="1800"/>
-            </a:pPr>
-            <a:r>
-              <a:t>• Speech recognition and synthesis.</a:t>
-            </a:r>
-          </a:p>
-          <a:p>
-            <a:pPr>
-              <a:lnSpc>
-                <a:spcPct val="115000"/>
-              </a:lnSpc>
-              <a:defRPr sz="1800"/>
-            </a:pPr>
-            <a:r>
-              <a:t>• Self-driving cars.</a:t>
-            </a:r>
-          </a:p>
-          <a:p>
-            <a:pPr>
-              <a:lnSpc>
-                <a:spcPct val="115000"/>
-              </a:lnSpc>
-              <a:defRPr sz="1800"/>
-            </a:pPr>
-            <a:r>
-              <a:t>• Medical diagnosis and drug discovery.</a:t>
-            </a:r>
-          </a:p>
-          <a:p>
-            <a:pPr>
-              <a:lnSpc>
-                <a:spcPct val="115000"/>
-              </a:lnSpc>
-              <a:defRPr sz="1800"/>
-            </a:pPr>
-            <a:r>
-              <a:t>• Financial modeling and prediction.</a:t>
+              <a:t>Training Neural Networks: Backpropagation</a:t>
             </a:r>
           </a:p>
         </p:txBody>

--- a/output/topic_neural_networks.pptx
+++ b/output/topic_neural_networks.pptx
@@ -6094,7 +6094,7 @@
               <a:defRPr sz="1800"/>
             </a:pPr>
             <a:r>
-              <a:t>Linear classifier.</a:t>
+              <a:t>Linear separability and limitations.</a:t>
             </a:r>
           </a:p>
           <a:p>
@@ -6105,7 +6105,7 @@
               <a:defRPr sz="1800"/>
             </a:pPr>
             <a:r>
-              <a:t>Weighted sum of inputs.</a:t>
+              <a:t>The role of weights and biases.</a:t>
             </a:r>
           </a:p>
           <a:p>
@@ -6116,7 +6116,7 @@
               <a:defRPr sz="1800"/>
             </a:pPr>
             <a:r>
-              <a:t>Activation function (step function, sigmoid).</a:t>
+              <a:t>The activation function (step function).</a:t>
             </a:r>
           </a:p>
           <a:p>
@@ -6127,18 +6127,7 @@
               <a:defRPr sz="1800"/>
             </a:pPr>
             <a:r>
-              <a:t>Learning through weight adjustments.</a:t>
-            </a:r>
-          </a:p>
-          <a:p>
-            <a:pPr>
-              <a:lnSpc>
-                <a:spcPct val="115000"/>
-              </a:lnSpc>
-              <a:defRPr sz="1800"/>
-            </a:pPr>
-            <a:r>
-              <a:t>Limitations: only linear separability.</a:t>
+              <a:t>Mathematical representation of a perceptron.</a:t>
             </a:r>
           </a:p>
         </p:txBody>
@@ -6242,7 +6231,7 @@
               <a:defRPr sz="1000" i="1"/>
             </a:pPr>
             <a:r>
-              <a:t>Applications of Neural Networks</a:t>
+              <a:t>Activation Functions and their Importance</a:t>
             </a:r>
           </a:p>
         </p:txBody>
@@ -6309,7 +6298,7 @@
               <a:defRPr sz="1800"/>
             </a:pPr>
             <a:r>
-              <a:t>The core algorithm for training neural networks.</a:t>
+              <a:t>The goal of training: minimizing error.</a:t>
             </a:r>
           </a:p>
           <a:p>
@@ -6320,7 +6309,7 @@
               <a:defRPr sz="1800"/>
             </a:pPr>
             <a:r>
-              <a:t>Gradient descent optimization.</a:t>
+              <a:t>The concept of gradient descent.</a:t>
             </a:r>
           </a:p>
           <a:p>
@@ -6331,7 +6320,7 @@
               <a:defRPr sz="1800"/>
             </a:pPr>
             <a:r>
-              <a:t>Calculating error gradients.</a:t>
+              <a:t>Forward pass and backward pass.</a:t>
             </a:r>
           </a:p>
           <a:p>
@@ -6342,7 +6331,7 @@
               <a:defRPr sz="1800"/>
             </a:pPr>
             <a:r>
-              <a:t>Updating weights and biases to minimize error.</a:t>
+              <a:t>Calculating gradients and updating weights.</a:t>
             </a:r>
           </a:p>
           <a:p>
@@ -6353,18 +6342,7 @@
               <a:defRPr sz="1800"/>
             </a:pPr>
             <a:r>
-              <a:t>Stochastic Gradient Descent (SGD) and its variants.</a:t>
-            </a:r>
-          </a:p>
-          <a:p>
-            <a:pPr>
-              <a:lnSpc>
-                <a:spcPct val="115000"/>
-              </a:lnSpc>
-              <a:defRPr sz="1800"/>
-            </a:pPr>
-            <a:r>
-              <a:t>Epochs, batch size, learning rate.</a:t>
+              <a:t>The role of loss functions.</a:t>
             </a:r>
           </a:p>
         </p:txBody>
@@ -6468,7 +6446,7 @@
               <a:defRPr sz="1000" i="1"/>
             </a:pPr>
             <a:r>
-              <a:t>Conclusion: Key Takeaways and Future Directions of Neural Networks</a:t>
+              <a:t>Applications of Neural Networks</a:t>
             </a:r>
           </a:p>
         </p:txBody>
@@ -6507,7 +6485,7 @@
           <a:lstStyle/>
           <a:p>
             <a:r>
-              <a:t>Applications of Neural Networks</a:t>
+              <a:t>Activation Functions and their Importance</a:t>
             </a:r>
           </a:p>
         </p:txBody>
@@ -6535,7 +6513,7 @@
               <a:defRPr sz="1800"/>
             </a:pPr>
             <a:r>
-              <a:t>Image recognition and classification.</a:t>
+              <a:t>The purpose of activation functions.</a:t>
             </a:r>
           </a:p>
           <a:p>
@@ -6546,7 +6524,7 @@
               <a:defRPr sz="1800"/>
             </a:pPr>
             <a:r>
-              <a:t>Natural language processing (NLP).</a:t>
+              <a:t>Common activation functions (sigmoid, ReLU, tanh).</a:t>
             </a:r>
           </a:p>
           <a:p>
@@ -6557,7 +6535,7 @@
               <a:defRPr sz="1800"/>
             </a:pPr>
             <a:r>
-              <a:t>Speech recognition.</a:t>
+              <a:t>Choosing the right activation function.</a:t>
             </a:r>
           </a:p>
           <a:p>
@@ -6568,7 +6546,7 @@
               <a:defRPr sz="1800"/>
             </a:pPr>
             <a:r>
-              <a:t>Machine translation.</a:t>
+              <a:t>Impact on network performance and training.</a:t>
             </a:r>
           </a:p>
           <a:p>
@@ -6579,29 +6557,7 @@
               <a:defRPr sz="1800"/>
             </a:pPr>
             <a:r>
-              <a:t>Self-driving cars.</a:t>
-            </a:r>
-          </a:p>
-          <a:p>
-            <a:pPr>
-              <a:lnSpc>
-                <a:spcPct val="115000"/>
-              </a:lnSpc>
-              <a:defRPr sz="1800"/>
-            </a:pPr>
-            <a:r>
-              <a:t>Medical diagnosis.</a:t>
-            </a:r>
-          </a:p>
-          <a:p>
-            <a:pPr>
-              <a:lnSpc>
-                <a:spcPct val="115000"/>
-              </a:lnSpc>
-              <a:defRPr sz="1800"/>
-            </a:pPr>
-            <a:r>
-              <a:t>Financial modeling.</a:t>
+              <a:t>Non-linearity and its importance.</a:t>
             </a:r>
           </a:p>
         </p:txBody>
@@ -6650,7 +6606,7 @@
               <a:defRPr sz="3200" b="1"/>
             </a:pPr>
             <a:r>
-              <a:t>Applications of Neural Networks - Visual Content</a:t>
+              <a:t>Activation Functions and their Importance - Visual Content</a:t>
             </a:r>
           </a:p>
         </p:txBody>
@@ -6705,7 +6661,7 @@
               <a:defRPr sz="1000" i="1"/>
             </a:pPr>
             <a:r>
-              <a:t>Neural Networks</a:t>
+              <a:t>Challenges and Future Directions of Neural Networks</a:t>
             </a:r>
           </a:p>
         </p:txBody>
@@ -6744,7 +6700,7 @@
           <a:lstStyle/>
           <a:p>
             <a:r>
-              <a:t>Challenges and Limitations</a:t>
+              <a:t>Applications of Neural Networks</a:t>
             </a:r>
           </a:p>
         </p:txBody>
@@ -6772,7 +6728,7 @@
               <a:defRPr sz="1800"/>
             </a:pPr>
             <a:r>
-              <a:t>Overfitting and underfitting.</a:t>
+              <a:t>Image recognition and object detection.</a:t>
             </a:r>
           </a:p>
           <a:p>
@@ -6783,7 +6739,7 @@
               <a:defRPr sz="1800"/>
             </a:pPr>
             <a:r>
-              <a:t>Computational cost and time.</a:t>
+              <a:t>Natural language processing (NLP).</a:t>
             </a:r>
           </a:p>
           <a:p>
@@ -6794,7 +6750,7 @@
               <a:defRPr sz="1800"/>
             </a:pPr>
             <a:r>
-              <a:t>Data requirements (large datasets).</a:t>
+              <a:t>Speech recognition and synthesis.</a:t>
             </a:r>
           </a:p>
           <a:p>
@@ -6805,7 +6761,7 @@
               <a:defRPr sz="1800"/>
             </a:pPr>
             <a:r>
-              <a:t>Interpretability (black box problem).</a:t>
+              <a:t>Medical diagnosis and drug discovery.</a:t>
             </a:r>
           </a:p>
           <a:p>
@@ -6816,18 +6772,7 @@
               <a:defRPr sz="1800"/>
             </a:pPr>
             <a:r>
-              <a:t>Bias and fairness concerns.</a:t>
-            </a:r>
-          </a:p>
-          <a:p>
-            <a:pPr>
-              <a:lnSpc>
-                <a:spcPct val="115000"/>
-              </a:lnSpc>
-              <a:defRPr sz="1800"/>
-            </a:pPr>
-            <a:r>
-              <a:t>Hardware limitations.</a:t>
+              <a:t>Self-driving cars and robotics.</a:t>
             </a:r>
           </a:p>
         </p:txBody>
@@ -6866,7 +6811,7 @@
           <a:lstStyle/>
           <a:p>
             <a:r>
-              <a:t>The Future of Neural Networks</a:t>
+              <a:t>Challenges and Future Directions</a:t>
             </a:r>
           </a:p>
         </p:txBody>
@@ -6894,7 +6839,7 @@
               <a:defRPr sz="1800"/>
             </a:pPr>
             <a:r>
-              <a:t>Advancements in hardware (specialized chips).</a:t>
+              <a:t>Overfitting and underfitting.</a:t>
             </a:r>
           </a:p>
           <a:p>
@@ -6905,7 +6850,7 @@
               <a:defRPr sz="1800"/>
             </a:pPr>
             <a:r>
-              <a:t>New architectures and algorithms.</a:t>
+              <a:t>Computational cost and scalability.</a:t>
             </a:r>
           </a:p>
           <a:p>
@@ -6916,7 +6861,7 @@
               <a:defRPr sz="1800"/>
             </a:pPr>
             <a:r>
-              <a:t>Explainable AI (XAI).</a:t>
+              <a:t>Explainability and interpretability (</a:t>
             </a:r>
           </a:p>
           <a:p>
@@ -6927,7 +6872,7 @@
               <a:defRPr sz="1800"/>
             </a:pPr>
             <a:r>
-              <a:t>Integration with other technologies (e.g., quantum computing).</a:t>
+              <a:t>Data bias and fairness.</a:t>
             </a:r>
           </a:p>
           <a:p>
@@ -6938,18 +6883,7 @@
               <a:defRPr sz="1800"/>
             </a:pPr>
             <a:r>
-              <a:t>Ethical considerations and responsible AI development.</a:t>
-            </a:r>
-          </a:p>
-          <a:p>
-            <a:pPr>
-              <a:lnSpc>
-                <a:spcPct val="115000"/>
-              </a:lnSpc>
-              <a:defRPr sz="1800"/>
-            </a:pPr>
-            <a:r>
-              <a:t>Increased focus on energy efficiency.</a:t>
+              <a:t>Emerging research areas (e.g., neuromorphic computing).</a:t>
             </a:r>
           </a:p>
         </p:txBody>
@@ -6988,7 +6922,7 @@
           <a:lstStyle/>
           <a:p>
             <a:r>
-              <a:t>Conclusion: Key Takeaways and Future Directions</a:t>
+              <a:t>Conclusion: Key Takeaways and Future of Neural Networks</a:t>
             </a:r>
           </a:p>
         </p:txBody>
@@ -7016,7 +6950,7 @@
               <a:defRPr sz="1800"/>
             </a:pPr>
             <a:r>
-              <a:t>Neural networks are powerful tools for various applications.</a:t>
+              <a:t>Summary of key concepts covered.</a:t>
             </a:r>
           </a:p>
           <a:p>
@@ -7027,7 +6961,7 @@
               <a:defRPr sz="1800"/>
             </a:pPr>
             <a:r>
-              <a:t>Understanding their architecture and training is crucial.</a:t>
+              <a:t>The transformative potential of neural networks.</a:t>
             </a:r>
           </a:p>
           <a:p>
@@ -7038,7 +6972,7 @@
               <a:defRPr sz="1800"/>
             </a:pPr>
             <a:r>
-              <a:t>Challenges remain, but ongoing research is addressing them.</a:t>
+              <a:t>Ongoing research and development.</a:t>
             </a:r>
           </a:p>
           <a:p>
@@ -7049,7 +6983,7 @@
               <a:defRPr sz="1800"/>
             </a:pPr>
             <a:r>
-              <a:t>The future of neural networks is bright, with potential for significant advancements.</a:t>
+              <a:t>Ethical considerations and responsible AI.</a:t>
             </a:r>
           </a:p>
           <a:p>
@@ -7060,7 +6994,7 @@
               <a:defRPr sz="1800"/>
             </a:pPr>
             <a:r>
-              <a:t>Ethical considerations are paramount in their development and deployment.</a:t>
+              <a:t>Call to action: further exploration and learning.</a:t>
             </a:r>
           </a:p>
         </p:txBody>
@@ -7233,7 +7167,7 @@
         </p:nvSpPr>
         <p:spPr>
           <a:xfrm>
-            <a:off x="914400" y="1828800"/>
+            <a:off x="6400800" y="4114800"/>
             <a:ext cx="7315200" cy="914400"/>
           </a:xfrm>
           <a:prstGeom prst="rect">
@@ -7477,7 +7411,7 @@
               <a:defRPr sz="1800"/>
             </a:pPr>
             <a:r>
-              <a:t>6. Applications of Neural Networks</a:t>
+              <a:t>6. Activation Functions and their Importance</a:t>
             </a:r>
           </a:p>
           <a:p>
@@ -7488,7 +7422,7 @@
               <a:defRPr sz="1800"/>
             </a:pPr>
             <a:r>
-              <a:t>7. Challenges and Limitations</a:t>
+              <a:t>7. Applications of Neural Networks</a:t>
             </a:r>
           </a:p>
           <a:p>
@@ -7499,7 +7433,7 @@
               <a:defRPr sz="1800"/>
             </a:pPr>
             <a:r>
-              <a:t>8. The Future of Neural Networks</a:t>
+              <a:t>8. Challenges and Future Directions</a:t>
             </a:r>
           </a:p>
           <a:p>
@@ -7510,7 +7444,7 @@
               <a:defRPr sz="1800"/>
             </a:pPr>
             <a:r>
-              <a:t>9. Conclusion: Key Takeaways and Future Directions</a:t>
+              <a:t>9. Conclusion: Key Takeaways and Future of Neural Networks</a:t>
             </a:r>
           </a:p>
         </p:txBody>
@@ -7577,7 +7511,7 @@
               <a:defRPr sz="1800"/>
             </a:pPr>
             <a:r>
-              <a:t>What are Neural Networks?</a:t>
+              <a:t>What are neural networks?</a:t>
             </a:r>
           </a:p>
           <a:p>
@@ -7588,7 +7522,7 @@
               <a:defRPr sz="1800"/>
             </a:pPr>
             <a:r>
-              <a:t>Connectionist approach to computation.</a:t>
+              <a:t>A brief history of neural networks.</a:t>
             </a:r>
           </a:p>
           <a:p>
@@ -7599,7 +7533,7 @@
               <a:defRPr sz="1800"/>
             </a:pPr>
             <a:r>
-              <a:t>Inspired by the human brain.</a:t>
+              <a:t>The core concept of interconnected nodes (neurons).</a:t>
             </a:r>
           </a:p>
           <a:p>
@@ -7610,7 +7544,7 @@
               <a:defRPr sz="1800"/>
             </a:pPr>
             <a:r>
-              <a:t>Ability to learn from data.</a:t>
+              <a:t>Neural networks as function approximators.</a:t>
             </a:r>
           </a:p>
           <a:p>
@@ -7621,18 +7555,7 @@
               <a:defRPr sz="1800"/>
             </a:pPr>
             <a:r>
-              <a:t>Used for pattern recognition, prediction, and decision-making.</a:t>
-            </a:r>
-          </a:p>
-          <a:p>
-            <a:pPr>
-              <a:lnSpc>
-                <a:spcPct val="115000"/>
-              </a:lnSpc>
-              <a:defRPr sz="1800"/>
-            </a:pPr>
-            <a:r>
-              <a:t>Key components: neurons, weights, biases, layers.</a:t>
+              <a:t>The power of parallel processing in neural networks.</a:t>
             </a:r>
           </a:p>
         </p:txBody>
@@ -7803,7 +7726,7 @@
               <a:defRPr sz="1800"/>
             </a:pPr>
             <a:r>
-              <a:t>Biological neurons and their signaling.</a:t>
+              <a:t>The biological neuron as a model.</a:t>
             </a:r>
           </a:p>
           <a:p>
@@ -7814,7 +7737,7 @@
               <a:defRPr sz="1800"/>
             </a:pPr>
             <a:r>
-              <a:t>The structure of a biological neuron (dendrites, soma, axon).</a:t>
+              <a:t>Synapses and weighted connections.</a:t>
             </a:r>
           </a:p>
           <a:p>
@@ -7825,7 +7748,7 @@
               <a:defRPr sz="1800"/>
             </a:pPr>
             <a:r>
-              <a:t>Mapping biological neurons to artificial neurons.</a:t>
+              <a:t>The role of dendrites and axons.</a:t>
             </a:r>
           </a:p>
           <a:p>
@@ -7836,7 +7759,7 @@
               <a:defRPr sz="1800"/>
             </a:pPr>
             <a:r>
-              <a:t>Simplified model of neuron activation.</a:t>
+              <a:t>Similarities and differences between biological and artificial neurons.</a:t>
             </a:r>
           </a:p>
           <a:p>
@@ -7847,7 +7770,7 @@
               <a:defRPr sz="1800"/>
             </a:pPr>
             <a:r>
-              <a:t>Weighted inputs and activation functions.</a:t>
+              <a:t>Simplified representation of an artificial neuron.</a:t>
             </a:r>
           </a:p>
         </p:txBody>
@@ -8051,18 +7974,7 @@
               <a:defRPr sz="1800"/>
             </a:pPr>
             <a:r>
-              <a:t>Long Short-Term Memory networks (LSTMs) - handling long-term dependencies</a:t>
-            </a:r>
-          </a:p>
-          <a:p>
-            <a:pPr>
-              <a:lnSpc>
-                <a:spcPct val="115000"/>
-              </a:lnSpc>
-              <a:defRPr sz="1800"/>
-            </a:pPr>
-            <a:r>
-              <a:t>Autoencoders - dimensionality reduction and feature extraction</a:t>
+              <a:t>Long Short-Term Memory networks (LSTMs) - handling long sequences</a:t>
             </a:r>
           </a:p>
           <a:p>

--- a/output/topic_neural_networks.pptx
+++ b/output/topic_neural_networks.pptx
@@ -23,8 +23,6 @@
     <p:sldId id="271" r:id="rId21"/>
     <p:sldId id="272" r:id="rId22"/>
     <p:sldId id="273" r:id="rId23"/>
-    <p:sldId id="274" r:id="rId24"/>
-    <p:sldId id="275" r:id="rId25"/>
   </p:sldIdLst>
   <p:sldSz cx="12192000" cy="6858000"/>
   <p:notesSz cx="6858000" cy="9144000"/>
@@ -6055,7 +6053,7 @@
           <a:lstStyle/>
           <a:p>
             <a:r>
-              <a:t>The Perceptron: A Building Block</a:t>
+              <a:t>Types of Neural Networks</a:t>
             </a:r>
           </a:p>
         </p:txBody>
@@ -6083,7 +6081,7 @@
               <a:defRPr sz="1800"/>
             </a:pPr>
             <a:r>
-              <a:t>The simplest form of a neural network.</a:t>
+              <a:t>Feedforward Neural Networks (FNNs)</a:t>
             </a:r>
           </a:p>
           <a:p>
@@ -6094,7 +6092,7 @@
               <a:defRPr sz="1800"/>
             </a:pPr>
             <a:r>
-              <a:t>Linear separability and limitations.</a:t>
+              <a:t>Convolutional Neural Networks (CNNs) - image recognition</a:t>
             </a:r>
           </a:p>
           <a:p>
@@ -6105,7 +6103,7 @@
               <a:defRPr sz="1800"/>
             </a:pPr>
             <a:r>
-              <a:t>The role of weights and biases.</a:t>
+              <a:t>Recurrent Neural Networks (RNNs) - sequential data</a:t>
             </a:r>
           </a:p>
           <a:p>
@@ -6116,7 +6114,7 @@
               <a:defRPr sz="1800"/>
             </a:pPr>
             <a:r>
-              <a:t>The activation function (step function).</a:t>
+              <a:t>Long Short-Term Memory (LSTM) networks - handling long sequences</a:t>
             </a:r>
           </a:p>
           <a:p>
@@ -6127,7 +6125,7 @@
               <a:defRPr sz="1800"/>
             </a:pPr>
             <a:r>
-              <a:t>Mathematical representation of a perceptron.</a:t>
+              <a:t>Generative Adversarial Networks (GANs) - generating new data</a:t>
             </a:r>
           </a:p>
         </p:txBody>
@@ -6176,7 +6174,7 @@
               <a:defRPr sz="3200" b="1"/>
             </a:pPr>
             <a:r>
-              <a:t>The Perceptron: A Building Block - Visual Content</a:t>
+              <a:t>Types of Neural Networks - Visual Content</a:t>
             </a:r>
           </a:p>
         </p:txBody>
@@ -6231,7 +6229,7 @@
               <a:defRPr sz="1000" i="1"/>
             </a:pPr>
             <a:r>
-              <a:t>Activation Functions and their Importance</a:t>
+              <a:t>Neural Networks</a:t>
             </a:r>
           </a:p>
         </p:txBody>
@@ -6298,7 +6296,7 @@
               <a:defRPr sz="1800"/>
             </a:pPr>
             <a:r>
-              <a:t>The goal of training: minimizing error.</a:t>
+              <a:t>The concept of backpropagation.</a:t>
             </a:r>
           </a:p>
           <a:p>
@@ -6309,7 +6307,7 @@
               <a:defRPr sz="1800"/>
             </a:pPr>
             <a:r>
-              <a:t>The concept of gradient descent.</a:t>
+              <a:t>Calculating gradients and updating weights.</a:t>
             </a:r>
           </a:p>
           <a:p>
@@ -6320,7 +6318,7 @@
               <a:defRPr sz="1800"/>
             </a:pPr>
             <a:r>
-              <a:t>Forward pass and backward pass.</a:t>
+              <a:t>Loss functions and optimization algorithms (e.g., gradient descent).</a:t>
             </a:r>
           </a:p>
           <a:p>
@@ -6331,7 +6329,7 @@
               <a:defRPr sz="1800"/>
             </a:pPr>
             <a:r>
-              <a:t>Calculating gradients and updating weights.</a:t>
+              <a:t>Overfitting and regularization techniques.</a:t>
             </a:r>
           </a:p>
           <a:p>
@@ -6342,7 +6340,7 @@
               <a:defRPr sz="1800"/>
             </a:pPr>
             <a:r>
-              <a:t>The role of loss functions.</a:t>
+              <a:t>Epochs, batches, and learning rates.</a:t>
             </a:r>
           </a:p>
         </p:txBody>
@@ -6367,86 +6365,93 @@
       <p:grpSpPr/>
       <p:sp>
         <p:nvSpPr>
-          <p:cNvPr id="2" name="TextBox 1"/>
-          <p:cNvSpPr txBox="1"/>
-          <p:nvPr/>
-        </p:nvSpPr>
-        <p:spPr>
-          <a:xfrm>
-            <a:off x="457200" y="457200"/>
-            <a:ext cx="8229600" cy="914400"/>
-          </a:xfrm>
-          <a:prstGeom prst="rect">
-            <a:avLst/>
-          </a:prstGeom>
-          <a:noFill/>
-        </p:spPr>
-        <p:txBody>
-          <a:bodyPr wrap="none">
-            <a:spAutoFit/>
-          </a:bodyPr>
-          <a:lstStyle/>
+          <p:cNvPr id="2" name="Title 1"/>
+          <p:cNvSpPr>
+            <a:spLocks noGrp="1"/>
+          </p:cNvSpPr>
+          <p:nvPr>
+            <p:ph type="title"/>
+          </p:nvPr>
+        </p:nvSpPr>
+        <p:spPr/>
+        <p:txBody>
+          <a:bodyPr/>
+          <a:lstStyle/>
+          <a:p>
+            <a:r>
+              <a:t>Applications of Neural Networks</a:t>
+            </a:r>
+          </a:p>
+        </p:txBody>
+      </p:sp>
+      <p:sp>
+        <p:nvSpPr>
+          <p:cNvPr id="3" name="Content Placeholder 2"/>
+          <p:cNvSpPr>
+            <a:spLocks noGrp="1"/>
+          </p:cNvSpPr>
+          <p:nvPr>
+            <p:ph idx="1"/>
+          </p:nvPr>
+        </p:nvSpPr>
+        <p:spPr/>
+        <p:txBody>
+          <a:bodyPr/>
+          <a:lstStyle/>
+          <a:p/>
           <a:p>
             <a:pPr>
-              <a:defRPr sz="3200" b="1"/>
+              <a:lnSpc>
+                <a:spcPct val="115000"/>
+              </a:lnSpc>
+              <a:defRPr sz="1800"/>
             </a:pPr>
             <a:r>
-              <a:t>Training Neural Networks: Backpropagation - Visual Content</a:t>
-            </a:r>
-          </a:p>
-        </p:txBody>
-      </p:sp>
-      <p:pic>
-        <p:nvPicPr>
-          <p:cNvPr id="3" name="Picture 2" descr="page_7_img_7.jpg"/>
-          <p:cNvPicPr>
-            <a:picLocks noChangeAspect="1"/>
-          </p:cNvPicPr>
-          <p:nvPr/>
-        </p:nvPicPr>
-        <p:blipFill>
-          <a:blip r:embed="rId2"/>
-          <a:stretch>
-            <a:fillRect/>
-          </a:stretch>
-        </p:blipFill>
-        <p:spPr>
-          <a:xfrm>
-            <a:off x="914400" y="1371600"/>
-            <a:ext cx="7315200" cy="4114800"/>
-          </a:xfrm>
-          <a:prstGeom prst="rect">
-            <a:avLst/>
-          </a:prstGeom>
-        </p:spPr>
-      </p:pic>
-      <p:sp>
-        <p:nvSpPr>
-          <p:cNvPr id="4" name="TextBox 3"/>
-          <p:cNvSpPr txBox="1"/>
-          <p:nvPr/>
-        </p:nvSpPr>
-        <p:spPr>
-          <a:xfrm>
-            <a:off x="914400" y="5577840"/>
-            <a:ext cx="7315200" cy="274320"/>
-          </a:xfrm>
-          <a:prstGeom prst="rect">
-            <a:avLst/>
-          </a:prstGeom>
-          <a:noFill/>
-        </p:spPr>
-        <p:txBody>
-          <a:bodyPr wrap="none">
-            <a:spAutoFit/>
-          </a:bodyPr>
-          <a:lstStyle/>
-          <a:p>
-            <a:pPr algn="ctr">
-              <a:defRPr sz="1000" i="1"/>
+              <a:t>Image recognition and object detection.</a:t>
+            </a:r>
+          </a:p>
+          <a:p>
+            <a:pPr>
+              <a:lnSpc>
+                <a:spcPct val="115000"/>
+              </a:lnSpc>
+              <a:defRPr sz="1800"/>
             </a:pPr>
             <a:r>
-              <a:t>Applications of Neural Networks</a:t>
+              <a:t>Natural language processing (NLP).</a:t>
+            </a:r>
+          </a:p>
+          <a:p>
+            <a:pPr>
+              <a:lnSpc>
+                <a:spcPct val="115000"/>
+              </a:lnSpc>
+              <a:defRPr sz="1800"/>
+            </a:pPr>
+            <a:r>
+              <a:t>Speech recognition.</a:t>
+            </a:r>
+          </a:p>
+          <a:p>
+            <a:pPr>
+              <a:lnSpc>
+                <a:spcPct val="115000"/>
+              </a:lnSpc>
+              <a:defRPr sz="1800"/>
+            </a:pPr>
+            <a:r>
+              <a:t>Self-driving cars.</a:t>
+            </a:r>
+          </a:p>
+          <a:p>
+            <a:pPr>
+              <a:lnSpc>
+                <a:spcPct val="115000"/>
+              </a:lnSpc>
+              <a:defRPr sz="1800"/>
+            </a:pPr>
+            <a:r>
+              <a:t>Medical diagnosis and drug discovery.</a:t>
             </a:r>
           </a:p>
         </p:txBody>
@@ -6485,7 +6490,7 @@
           <a:lstStyle/>
           <a:p>
             <a:r>
-              <a:t>Activation Functions and their Importance</a:t>
+              <a:t>Challenges and Limitations</a:t>
             </a:r>
           </a:p>
         </p:txBody>
@@ -6513,7 +6518,7 @@
               <a:defRPr sz="1800"/>
             </a:pPr>
             <a:r>
-              <a:t>The purpose of activation functions.</a:t>
+              <a:t>Computational cost and energy consumption.</a:t>
             </a:r>
           </a:p>
           <a:p>
@@ -6524,7 +6529,7 @@
               <a:defRPr sz="1800"/>
             </a:pPr>
             <a:r>
-              <a:t>Common activation functions (sigmoid, ReLU, tanh).</a:t>
+              <a:t>Data requirements for training.</a:t>
             </a:r>
           </a:p>
           <a:p>
@@ -6535,7 +6540,7 @@
               <a:defRPr sz="1800"/>
             </a:pPr>
             <a:r>
-              <a:t>Choosing the right activation function.</a:t>
+              <a:t>The</a:t>
             </a:r>
           </a:p>
           <a:p>
@@ -6546,7 +6551,7 @@
               <a:defRPr sz="1800"/>
             </a:pPr>
             <a:r>
-              <a:t>Impact on network performance and training.</a:t>
+              <a:t>Bias and fairness in AI.</a:t>
             </a:r>
           </a:p>
           <a:p>
@@ -6557,7 +6562,7 @@
               <a:defRPr sz="1800"/>
             </a:pPr>
             <a:r>
-              <a:t>Non-linearity and its importance.</a:t>
+              <a:t>Security vulnerabilities.</a:t>
             </a:r>
           </a:p>
         </p:txBody>
@@ -6582,86 +6587,93 @@
       <p:grpSpPr/>
       <p:sp>
         <p:nvSpPr>
-          <p:cNvPr id="2" name="TextBox 1"/>
-          <p:cNvSpPr txBox="1"/>
-          <p:nvPr/>
-        </p:nvSpPr>
-        <p:spPr>
-          <a:xfrm>
-            <a:off x="457200" y="457200"/>
-            <a:ext cx="8229600" cy="914400"/>
-          </a:xfrm>
-          <a:prstGeom prst="rect">
-            <a:avLst/>
-          </a:prstGeom>
-          <a:noFill/>
-        </p:spPr>
-        <p:txBody>
-          <a:bodyPr wrap="none">
-            <a:spAutoFit/>
-          </a:bodyPr>
-          <a:lstStyle/>
+          <p:cNvPr id="2" name="Title 1"/>
+          <p:cNvSpPr>
+            <a:spLocks noGrp="1"/>
+          </p:cNvSpPr>
+          <p:nvPr>
+            <p:ph type="title"/>
+          </p:nvPr>
+        </p:nvSpPr>
+        <p:spPr/>
+        <p:txBody>
+          <a:bodyPr/>
+          <a:lstStyle/>
+          <a:p>
+            <a:r>
+              <a:t>Future of Neural Networks</a:t>
+            </a:r>
+          </a:p>
+        </p:txBody>
+      </p:sp>
+      <p:sp>
+        <p:nvSpPr>
+          <p:cNvPr id="3" name="Content Placeholder 2"/>
+          <p:cNvSpPr>
+            <a:spLocks noGrp="1"/>
+          </p:cNvSpPr>
+          <p:nvPr>
+            <p:ph idx="1"/>
+          </p:nvPr>
+        </p:nvSpPr>
+        <p:spPr/>
+        <p:txBody>
+          <a:bodyPr/>
+          <a:lstStyle/>
+          <a:p/>
           <a:p>
             <a:pPr>
-              <a:defRPr sz="3200" b="1"/>
+              <a:lnSpc>
+                <a:spcPct val="115000"/>
+              </a:lnSpc>
+              <a:defRPr sz="1800"/>
             </a:pPr>
             <a:r>
-              <a:t>Activation Functions and their Importance - Visual Content</a:t>
-            </a:r>
-          </a:p>
-        </p:txBody>
-      </p:sp>
-      <p:pic>
-        <p:nvPicPr>
-          <p:cNvPr id="3" name="Picture 2" descr="page_8_img_8.jpg"/>
-          <p:cNvPicPr>
-            <a:picLocks noChangeAspect="1"/>
-          </p:cNvPicPr>
-          <p:nvPr/>
-        </p:nvPicPr>
-        <p:blipFill>
-          <a:blip r:embed="rId2"/>
-          <a:stretch>
-            <a:fillRect/>
-          </a:stretch>
-        </p:blipFill>
-        <p:spPr>
-          <a:xfrm>
-            <a:off x="914400" y="1371600"/>
-            <a:ext cx="7315200" cy="4114800"/>
-          </a:xfrm>
-          <a:prstGeom prst="rect">
-            <a:avLst/>
-          </a:prstGeom>
-        </p:spPr>
-      </p:pic>
-      <p:sp>
-        <p:nvSpPr>
-          <p:cNvPr id="4" name="TextBox 3"/>
-          <p:cNvSpPr txBox="1"/>
-          <p:nvPr/>
-        </p:nvSpPr>
-        <p:spPr>
-          <a:xfrm>
-            <a:off x="914400" y="5577840"/>
-            <a:ext cx="7315200" cy="274320"/>
-          </a:xfrm>
-          <a:prstGeom prst="rect">
-            <a:avLst/>
-          </a:prstGeom>
-          <a:noFill/>
-        </p:spPr>
-        <p:txBody>
-          <a:bodyPr wrap="none">
-            <a:spAutoFit/>
-          </a:bodyPr>
-          <a:lstStyle/>
-          <a:p>
-            <a:pPr algn="ctr">
-              <a:defRPr sz="1000" i="1"/>
+              <a:t>Neuromorphic computing.</a:t>
+            </a:r>
+          </a:p>
+          <a:p>
+            <a:pPr>
+              <a:lnSpc>
+                <a:spcPct val="115000"/>
+              </a:lnSpc>
+              <a:defRPr sz="1800"/>
             </a:pPr>
             <a:r>
-              <a:t>Challenges and Future Directions of Neural Networks</a:t>
+              <a:t>Spiking neural networks.</a:t>
+            </a:r>
+          </a:p>
+          <a:p>
+            <a:pPr>
+              <a:lnSpc>
+                <a:spcPct val="115000"/>
+              </a:lnSpc>
+              <a:defRPr sz="1800"/>
+            </a:pPr>
+            <a:r>
+              <a:t>Quantum neural networks.</a:t>
+            </a:r>
+          </a:p>
+          <a:p>
+            <a:pPr>
+              <a:lnSpc>
+                <a:spcPct val="115000"/>
+              </a:lnSpc>
+              <a:defRPr sz="1800"/>
+            </a:pPr>
+            <a:r>
+              <a:t>Increased efficiency and scalability.</a:t>
+            </a:r>
+          </a:p>
+          <a:p>
+            <a:pPr>
+              <a:lnSpc>
+                <a:spcPct val="115000"/>
+              </a:lnSpc>
+              <a:defRPr sz="1800"/>
+            </a:pPr>
+            <a:r>
+              <a:t>Addressing ethical concerns.</a:t>
             </a:r>
           </a:p>
         </p:txBody>
@@ -6700,7 +6712,7 @@
           <a:lstStyle/>
           <a:p>
             <a:r>
-              <a:t>Applications of Neural Networks</a:t>
+              <a:t>Conclusion: Key Takeaways and Future Directions</a:t>
             </a:r>
           </a:p>
         </p:txBody>
@@ -6728,7 +6740,7 @@
               <a:defRPr sz="1800"/>
             </a:pPr>
             <a:r>
-              <a:t>Image recognition and object detection.</a:t>
+              <a:t>Summary of key concepts and applications.</a:t>
             </a:r>
           </a:p>
           <a:p>
@@ -6739,7 +6751,7 @@
               <a:defRPr sz="1800"/>
             </a:pPr>
             <a:r>
-              <a:t>Natural language processing (NLP).</a:t>
+              <a:t>Recap of challenges and limitations.</a:t>
             </a:r>
           </a:p>
           <a:p>
@@ -6750,7 +6762,7 @@
               <a:defRPr sz="1800"/>
             </a:pPr>
             <a:r>
-              <a:t>Speech recognition and synthesis.</a:t>
+              <a:t>Discussion of future research directions.</a:t>
             </a:r>
           </a:p>
           <a:p>
@@ -6761,18 +6773,7 @@
               <a:defRPr sz="1800"/>
             </a:pPr>
             <a:r>
-              <a:t>Medical diagnosis and drug discovery.</a:t>
-            </a:r>
-          </a:p>
-          <a:p>
-            <a:pPr>
-              <a:lnSpc>
-                <a:spcPct val="115000"/>
-              </a:lnSpc>
-              <a:defRPr sz="1800"/>
-            </a:pPr>
-            <a:r>
-              <a:t>Self-driving cars and robotics.</a:t>
+              <a:t>Call to action: further exploration and learning.</a:t>
             </a:r>
           </a:p>
         </p:txBody>
@@ -6786,228 +6787,6 @@
 </file>
 
 <file path=ppt/slides/slide17.xml><?xml version="1.0" encoding="utf-8"?>
-<p:sld xmlns:a="http://schemas.openxmlformats.org/drawingml/2006/main" xmlns:p="http://schemas.openxmlformats.org/presentationml/2006/main" xmlns:r="http://schemas.openxmlformats.org/officeDocument/2006/relationships">
-  <p:cSld>
-    <p:spTree>
-      <p:nvGrpSpPr>
-        <p:cNvPr id="1" name=""/>
-        <p:cNvGrpSpPr/>
-        <p:nvPr/>
-      </p:nvGrpSpPr>
-      <p:grpSpPr/>
-      <p:sp>
-        <p:nvSpPr>
-          <p:cNvPr id="2" name="Title 1"/>
-          <p:cNvSpPr>
-            <a:spLocks noGrp="1"/>
-          </p:cNvSpPr>
-          <p:nvPr>
-            <p:ph type="title"/>
-          </p:nvPr>
-        </p:nvSpPr>
-        <p:spPr/>
-        <p:txBody>
-          <a:bodyPr/>
-          <a:lstStyle/>
-          <a:p>
-            <a:r>
-              <a:t>Challenges and Future Directions</a:t>
-            </a:r>
-          </a:p>
-        </p:txBody>
-      </p:sp>
-      <p:sp>
-        <p:nvSpPr>
-          <p:cNvPr id="3" name="Content Placeholder 2"/>
-          <p:cNvSpPr>
-            <a:spLocks noGrp="1"/>
-          </p:cNvSpPr>
-          <p:nvPr>
-            <p:ph idx="1"/>
-          </p:nvPr>
-        </p:nvSpPr>
-        <p:spPr/>
-        <p:txBody>
-          <a:bodyPr/>
-          <a:lstStyle/>
-          <a:p/>
-          <a:p>
-            <a:pPr>
-              <a:lnSpc>
-                <a:spcPct val="115000"/>
-              </a:lnSpc>
-              <a:defRPr sz="1800"/>
-            </a:pPr>
-            <a:r>
-              <a:t>Overfitting and underfitting.</a:t>
-            </a:r>
-          </a:p>
-          <a:p>
-            <a:pPr>
-              <a:lnSpc>
-                <a:spcPct val="115000"/>
-              </a:lnSpc>
-              <a:defRPr sz="1800"/>
-            </a:pPr>
-            <a:r>
-              <a:t>Computational cost and scalability.</a:t>
-            </a:r>
-          </a:p>
-          <a:p>
-            <a:pPr>
-              <a:lnSpc>
-                <a:spcPct val="115000"/>
-              </a:lnSpc>
-              <a:defRPr sz="1800"/>
-            </a:pPr>
-            <a:r>
-              <a:t>Explainability and interpretability (</a:t>
-            </a:r>
-          </a:p>
-          <a:p>
-            <a:pPr>
-              <a:lnSpc>
-                <a:spcPct val="115000"/>
-              </a:lnSpc>
-              <a:defRPr sz="1800"/>
-            </a:pPr>
-            <a:r>
-              <a:t>Data bias and fairness.</a:t>
-            </a:r>
-          </a:p>
-          <a:p>
-            <a:pPr>
-              <a:lnSpc>
-                <a:spcPct val="115000"/>
-              </a:lnSpc>
-              <a:defRPr sz="1800"/>
-            </a:pPr>
-            <a:r>
-              <a:t>Emerging research areas (e.g., neuromorphic computing).</a:t>
-            </a:r>
-          </a:p>
-        </p:txBody>
-      </p:sp>
-    </p:spTree>
-  </p:cSld>
-  <p:clrMapOvr>
-    <a:masterClrMapping/>
-  </p:clrMapOvr>
-</p:sld>
-</file>
-
-<file path=ppt/slides/slide18.xml><?xml version="1.0" encoding="utf-8"?>
-<p:sld xmlns:a="http://schemas.openxmlformats.org/drawingml/2006/main" xmlns:p="http://schemas.openxmlformats.org/presentationml/2006/main" xmlns:r="http://schemas.openxmlformats.org/officeDocument/2006/relationships">
-  <p:cSld>
-    <p:spTree>
-      <p:nvGrpSpPr>
-        <p:cNvPr id="1" name=""/>
-        <p:cNvGrpSpPr/>
-        <p:nvPr/>
-      </p:nvGrpSpPr>
-      <p:grpSpPr/>
-      <p:sp>
-        <p:nvSpPr>
-          <p:cNvPr id="2" name="Title 1"/>
-          <p:cNvSpPr>
-            <a:spLocks noGrp="1"/>
-          </p:cNvSpPr>
-          <p:nvPr>
-            <p:ph type="title"/>
-          </p:nvPr>
-        </p:nvSpPr>
-        <p:spPr/>
-        <p:txBody>
-          <a:bodyPr/>
-          <a:lstStyle/>
-          <a:p>
-            <a:r>
-              <a:t>Conclusion: Key Takeaways and Future of Neural Networks</a:t>
-            </a:r>
-          </a:p>
-        </p:txBody>
-      </p:sp>
-      <p:sp>
-        <p:nvSpPr>
-          <p:cNvPr id="3" name="Content Placeholder 2"/>
-          <p:cNvSpPr>
-            <a:spLocks noGrp="1"/>
-          </p:cNvSpPr>
-          <p:nvPr>
-            <p:ph idx="1"/>
-          </p:nvPr>
-        </p:nvSpPr>
-        <p:spPr/>
-        <p:txBody>
-          <a:bodyPr/>
-          <a:lstStyle/>
-          <a:p/>
-          <a:p>
-            <a:pPr>
-              <a:lnSpc>
-                <a:spcPct val="115000"/>
-              </a:lnSpc>
-              <a:defRPr sz="1800"/>
-            </a:pPr>
-            <a:r>
-              <a:t>Summary of key concepts covered.</a:t>
-            </a:r>
-          </a:p>
-          <a:p>
-            <a:pPr>
-              <a:lnSpc>
-                <a:spcPct val="115000"/>
-              </a:lnSpc>
-              <a:defRPr sz="1800"/>
-            </a:pPr>
-            <a:r>
-              <a:t>The transformative potential of neural networks.</a:t>
-            </a:r>
-          </a:p>
-          <a:p>
-            <a:pPr>
-              <a:lnSpc>
-                <a:spcPct val="115000"/>
-              </a:lnSpc>
-              <a:defRPr sz="1800"/>
-            </a:pPr>
-            <a:r>
-              <a:t>Ongoing research and development.</a:t>
-            </a:r>
-          </a:p>
-          <a:p>
-            <a:pPr>
-              <a:lnSpc>
-                <a:spcPct val="115000"/>
-              </a:lnSpc>
-              <a:defRPr sz="1800"/>
-            </a:pPr>
-            <a:r>
-              <a:t>Ethical considerations and responsible AI.</a:t>
-            </a:r>
-          </a:p>
-          <a:p>
-            <a:pPr>
-              <a:lnSpc>
-                <a:spcPct val="115000"/>
-              </a:lnSpc>
-              <a:defRPr sz="1800"/>
-            </a:pPr>
-            <a:r>
-              <a:t>Call to action: further exploration and learning.</a:t>
-            </a:r>
-          </a:p>
-        </p:txBody>
-      </p:sp>
-    </p:spTree>
-  </p:cSld>
-  <p:clrMapOvr>
-    <a:masterClrMapping/>
-  </p:clrMapOvr>
-</p:sld>
-</file>
-
-<file path=ppt/slides/slide19.xml><?xml version="1.0" encoding="utf-8"?>
 <p:sld xmlns:a="http://schemas.openxmlformats.org/drawingml/2006/main" xmlns:p="http://schemas.openxmlformats.org/presentationml/2006/main" xmlns:r="http://schemas.openxmlformats.org/officeDocument/2006/relationships">
   <p:cSld>
     <p:spTree>
@@ -7111,94 +6890,7 @@
 </p:sld>
 </file>
 
-<file path=ppt/slides/slide2.xml><?xml version="1.0" encoding="utf-8"?>
-<p:sld xmlns:a="http://schemas.openxmlformats.org/drawingml/2006/main" xmlns:p="http://schemas.openxmlformats.org/presentationml/2006/main" xmlns:r="http://schemas.openxmlformats.org/officeDocument/2006/relationships">
-  <p:cSld>
-    <p:spTree>
-      <p:nvGrpSpPr>
-        <p:cNvPr id="1" name=""/>
-        <p:cNvGrpSpPr/>
-        <p:nvPr/>
-      </p:nvGrpSpPr>
-      <p:grpSpPr/>
-      <p:sp>
-        <p:nvSpPr>
-          <p:cNvPr id="2" name="Title 1"/>
-          <p:cNvSpPr>
-            <a:spLocks noGrp="1"/>
-          </p:cNvSpPr>
-          <p:nvPr>
-            <p:ph type="ctrTitle"/>
-          </p:nvPr>
-        </p:nvSpPr>
-        <p:spPr/>
-        <p:txBody>
-          <a:bodyPr/>
-          <a:lstStyle/>
-          <a:p>
-            <a:r>
-              <a:t>Unveiling the Power of Neural Networks: A Deep Dive</a:t>
-            </a:r>
-          </a:p>
-        </p:txBody>
-      </p:sp>
-      <p:sp>
-        <p:nvSpPr>
-          <p:cNvPr id="3" name="Subtitle 2"/>
-          <p:cNvSpPr>
-            <a:spLocks noGrp="1"/>
-          </p:cNvSpPr>
-          <p:nvPr>
-            <p:ph type="subTitle" idx="1"/>
-          </p:nvPr>
-        </p:nvSpPr>
-        <p:spPr/>
-        <p:txBody>
-          <a:bodyPr/>
-          <a:lstStyle/>
-          <a:p/>
-        </p:txBody>
-      </p:sp>
-      <p:sp>
-        <p:nvSpPr>
-          <p:cNvPr id="4" name="TextBox 3"/>
-          <p:cNvSpPr txBox="1"/>
-          <p:nvPr/>
-        </p:nvSpPr>
-        <p:spPr>
-          <a:xfrm>
-            <a:off x="6400800" y="4114800"/>
-            <a:ext cx="7315200" cy="914400"/>
-          </a:xfrm>
-          <a:prstGeom prst="rect">
-            <a:avLst/>
-          </a:prstGeom>
-          <a:noFill/>
-        </p:spPr>
-        <p:txBody>
-          <a:bodyPr wrap="none">
-            <a:spAutoFit/>
-          </a:bodyPr>
-          <a:lstStyle/>
-          <a:p>
-            <a:pPr>
-              <a:defRPr sz="1800" i="1"/>
-            </a:pPr>
-            <a:r>
-              <a:t>Created by: Aditya</a:t>
-            </a:r>
-          </a:p>
-        </p:txBody>
-      </p:sp>
-    </p:spTree>
-  </p:cSld>
-  <p:clrMapOvr>
-    <a:masterClrMapping/>
-  </p:clrMapOvr>
-</p:sld>
-</file>
-
-<file path=ppt/slides/slide20.xml><?xml version="1.0" encoding="utf-8"?>
+<file path=ppt/slides/slide18.xml><?xml version="1.0" encoding="utf-8"?>
 <p:sld xmlns:a="http://schemas.openxmlformats.org/drawingml/2006/main" xmlns:p="http://schemas.openxmlformats.org/presentationml/2006/main" xmlns:r="http://schemas.openxmlformats.org/officeDocument/2006/relationships">
   <p:cSld>
     <p:spTree>
@@ -7234,7 +6926,7 @@
               <a:defRPr sz="3200" b="1"/>
             </a:pPr>
             <a:r>
-              <a:t>Introduction to Neural Networks - Additional Visual Content</a:t>
+              <a:t>Perceptrons: The Building Blocks - Additional Visual Content</a:t>
             </a:r>
           </a:p>
         </p:txBody>
@@ -7289,7 +6981,94 @@
               <a:defRPr sz="1000" i="1"/>
             </a:pPr>
             <a:r>
-              <a:t>Biological Inspiration and Artificial Neurons</a:t>
+              <a:t>Types of Neural Networks</a:t>
+            </a:r>
+          </a:p>
+        </p:txBody>
+      </p:sp>
+    </p:spTree>
+  </p:cSld>
+  <p:clrMapOvr>
+    <a:masterClrMapping/>
+  </p:clrMapOvr>
+</p:sld>
+</file>
+
+<file path=ppt/slides/slide2.xml><?xml version="1.0" encoding="utf-8"?>
+<p:sld xmlns:a="http://schemas.openxmlformats.org/drawingml/2006/main" xmlns:p="http://schemas.openxmlformats.org/presentationml/2006/main" xmlns:r="http://schemas.openxmlformats.org/officeDocument/2006/relationships">
+  <p:cSld>
+    <p:spTree>
+      <p:nvGrpSpPr>
+        <p:cNvPr id="1" name=""/>
+        <p:cNvGrpSpPr/>
+        <p:nvPr/>
+      </p:nvGrpSpPr>
+      <p:grpSpPr/>
+      <p:sp>
+        <p:nvSpPr>
+          <p:cNvPr id="2" name="Title 1"/>
+          <p:cNvSpPr>
+            <a:spLocks noGrp="1"/>
+          </p:cNvSpPr>
+          <p:nvPr>
+            <p:ph type="ctrTitle"/>
+          </p:nvPr>
+        </p:nvSpPr>
+        <p:spPr/>
+        <p:txBody>
+          <a:bodyPr/>
+          <a:lstStyle/>
+          <a:p>
+            <a:r>
+              <a:t>Unveiling the Power of Neural Networks: A Deep Dive</a:t>
+            </a:r>
+          </a:p>
+        </p:txBody>
+      </p:sp>
+      <p:sp>
+        <p:nvSpPr>
+          <p:cNvPr id="3" name="Subtitle 2"/>
+          <p:cNvSpPr>
+            <a:spLocks noGrp="1"/>
+          </p:cNvSpPr>
+          <p:nvPr>
+            <p:ph type="subTitle" idx="1"/>
+          </p:nvPr>
+        </p:nvSpPr>
+        <p:spPr/>
+        <p:txBody>
+          <a:bodyPr/>
+          <a:lstStyle/>
+          <a:p/>
+        </p:txBody>
+      </p:sp>
+      <p:sp>
+        <p:nvSpPr>
+          <p:cNvPr id="4" name="TextBox 3"/>
+          <p:cNvSpPr txBox="1"/>
+          <p:nvPr/>
+        </p:nvSpPr>
+        <p:spPr>
+          <a:xfrm>
+            <a:off x="6400800" y="4114800"/>
+            <a:ext cx="7315200" cy="914400"/>
+          </a:xfrm>
+          <a:prstGeom prst="rect">
+            <a:avLst/>
+          </a:prstGeom>
+          <a:noFill/>
+        </p:spPr>
+        <p:txBody>
+          <a:bodyPr wrap="none">
+            <a:spAutoFit/>
+          </a:bodyPr>
+          <a:lstStyle/>
+          <a:p>
+            <a:pPr>
+              <a:defRPr sz="1800" i="1"/>
+            </a:pPr>
+            <a:r>
+              <a:t>Created by: Aditya</a:t>
             </a:r>
           </a:p>
         </p:txBody>
@@ -7367,7 +7146,7 @@
               <a:defRPr sz="1800"/>
             </a:pPr>
             <a:r>
-              <a:t>2. Biological Inspiration and Artificial Neurons</a:t>
+              <a:t>2. Biological Inspiration: The Human Brain</a:t>
             </a:r>
           </a:p>
           <a:p>
@@ -7378,7 +7157,7 @@
               <a:defRPr sz="1800"/>
             </a:pPr>
             <a:r>
-              <a:t>3. Types of Neural Networks</a:t>
+              <a:t>3. Perceptrons: The Building Blocks</a:t>
             </a:r>
           </a:p>
           <a:p>
@@ -7389,7 +7168,7 @@
               <a:defRPr sz="1800"/>
             </a:pPr>
             <a:r>
-              <a:t>4. The Perceptron: A Building Block</a:t>
+              <a:t>4. Types of Neural Networks</a:t>
             </a:r>
           </a:p>
           <a:p>
@@ -7411,7 +7190,7 @@
               <a:defRPr sz="1800"/>
             </a:pPr>
             <a:r>
-              <a:t>6. Activation Functions and their Importance</a:t>
+              <a:t>6. Applications of Neural Networks</a:t>
             </a:r>
           </a:p>
           <a:p>
@@ -7422,7 +7201,7 @@
               <a:defRPr sz="1800"/>
             </a:pPr>
             <a:r>
-              <a:t>7. Applications of Neural Networks</a:t>
+              <a:t>7. Challenges and Limitations</a:t>
             </a:r>
           </a:p>
           <a:p>
@@ -7433,7 +7212,7 @@
               <a:defRPr sz="1800"/>
             </a:pPr>
             <a:r>
-              <a:t>8. Challenges and Future Directions</a:t>
+              <a:t>8. Future of Neural Networks</a:t>
             </a:r>
           </a:p>
           <a:p>
@@ -7444,7 +7223,7 @@
               <a:defRPr sz="1800"/>
             </a:pPr>
             <a:r>
-              <a:t>9. Conclusion: Key Takeaways and Future of Neural Networks</a:t>
+              <a:t>9. Conclusion: Key Takeaways and Future Directions</a:t>
             </a:r>
           </a:p>
         </p:txBody>
@@ -7511,7 +7290,7 @@
               <a:defRPr sz="1800"/>
             </a:pPr>
             <a:r>
-              <a:t>What are neural networks?</a:t>
+              <a:t>What are Neural Networks?</a:t>
             </a:r>
           </a:p>
           <a:p>
@@ -7533,7 +7312,7 @@
               <a:defRPr sz="1800"/>
             </a:pPr>
             <a:r>
-              <a:t>The core concept of interconnected nodes (neurons).</a:t>
+              <a:t>Key concepts: nodes, weights, biases, layers.</a:t>
             </a:r>
           </a:p>
           <a:p>
@@ -7544,7 +7323,7 @@
               <a:defRPr sz="1800"/>
             </a:pPr>
             <a:r>
-              <a:t>Neural networks as function approximators.</a:t>
+              <a:t>The power of parallel processing.</a:t>
             </a:r>
           </a:p>
           <a:p>
@@ -7555,7 +7334,7 @@
               <a:defRPr sz="1800"/>
             </a:pPr>
             <a:r>
-              <a:t>The power of parallel processing in neural networks.</a:t>
+              <a:t>Relationship to Artificial Intelligence (AI) and Machine Learning (ML).</a:t>
             </a:r>
           </a:p>
         </p:txBody>
@@ -7659,7 +7438,7 @@
               <a:defRPr sz="1000" i="1"/>
             </a:pPr>
             <a:r>
-              <a:t>Types of Neural Networks</a:t>
+              <a:t>Training Neural Networks: Backpropagation</a:t>
             </a:r>
           </a:p>
         </p:txBody>
@@ -7698,7 +7477,7 @@
           <a:lstStyle/>
           <a:p>
             <a:r>
-              <a:t>Biological Inspiration and Artificial Neurons</a:t>
+              <a:t>Biological Inspiration: The Human Brain</a:t>
             </a:r>
           </a:p>
         </p:txBody>
@@ -7726,7 +7505,7 @@
               <a:defRPr sz="1800"/>
             </a:pPr>
             <a:r>
-              <a:t>The biological neuron as a model.</a:t>
+              <a:t>Neurons and synapses: The biological foundation.</a:t>
             </a:r>
           </a:p>
           <a:p>
@@ -7737,7 +7516,7 @@
               <a:defRPr sz="1800"/>
             </a:pPr>
             <a:r>
-              <a:t>Synapses and weighted connections.</a:t>
+              <a:t>How the brain processes information.</a:t>
             </a:r>
           </a:p>
           <a:p>
@@ -7748,7 +7527,7 @@
               <a:defRPr sz="1800"/>
             </a:pPr>
             <a:r>
-              <a:t>The role of dendrites and axons.</a:t>
+              <a:t>Parallel processing in the brain.</a:t>
             </a:r>
           </a:p>
           <a:p>
@@ -7759,7 +7538,7 @@
               <a:defRPr sz="1800"/>
             </a:pPr>
             <a:r>
-              <a:t>Similarities and differences between biological and artificial neurons.</a:t>
+              <a:t>Inspiration for artificial neural networks.</a:t>
             </a:r>
           </a:p>
           <a:p>
@@ -7770,7 +7549,7 @@
               <a:defRPr sz="1800"/>
             </a:pPr>
             <a:r>
-              <a:t>Simplified representation of an artificial neuron.</a:t>
+              <a:t>Limitations of the biological analogy.</a:t>
             </a:r>
           </a:p>
         </p:txBody>
@@ -7819,7 +7598,7 @@
               <a:defRPr sz="3200" b="1"/>
             </a:pPr>
             <a:r>
-              <a:t>Biological Inspiration and Artificial Neurons - Visual Content</a:t>
+              <a:t>Biological Inspiration: The Human Brain - Visual Content</a:t>
             </a:r>
           </a:p>
         </p:txBody>
@@ -7874,7 +7653,7 @@
               <a:defRPr sz="1000" i="1"/>
             </a:pPr>
             <a:r>
-              <a:t>The Perceptron: A Building Block</a:t>
+              <a:t>Applications of Neural Networks</a:t>
             </a:r>
           </a:p>
         </p:txBody>
@@ -7913,7 +7692,7 @@
           <a:lstStyle/>
           <a:p>
             <a:r>
-              <a:t>Types of Neural Networks</a:t>
+              <a:t>Perceptrons: The Building Blocks</a:t>
             </a:r>
           </a:p>
         </p:txBody>
@@ -7941,7 +7720,7 @@
               <a:defRPr sz="1800"/>
             </a:pPr>
             <a:r>
-              <a:t>Feedforward Neural Networks (FNNs)</a:t>
+              <a:t>The basic perceptron model.</a:t>
             </a:r>
           </a:p>
           <a:p>
@@ -7952,7 +7731,7 @@
               <a:defRPr sz="1800"/>
             </a:pPr>
             <a:r>
-              <a:t>Convolutional Neural Networks (CNNs) - image processing</a:t>
+              <a:t>Weighted inputs and activation functions.</a:t>
             </a:r>
           </a:p>
           <a:p>
@@ -7963,7 +7742,7 @@
               <a:defRPr sz="1800"/>
             </a:pPr>
             <a:r>
-              <a:t>Recurrent Neural Networks (RNNs) - sequential data</a:t>
+              <a:t>Binary classification.</a:t>
             </a:r>
           </a:p>
           <a:p>
@@ -7974,7 +7753,7 @@
               <a:defRPr sz="1800"/>
             </a:pPr>
             <a:r>
-              <a:t>Long Short-Term Memory networks (LSTMs) - handling long sequences</a:t>
+              <a:t>Limitations of single perceptrons.</a:t>
             </a:r>
           </a:p>
           <a:p>
@@ -7985,7 +7764,7 @@
               <a:defRPr sz="1800"/>
             </a:pPr>
             <a:r>
-              <a:t>Generative Adversarial Networks (GANs) - generating new data</a:t>
+              <a:t>The need for multiple layers.</a:t>
             </a:r>
           </a:p>
         </p:txBody>
@@ -8034,7 +7813,7 @@
               <a:defRPr sz="3200" b="1"/>
             </a:pPr>
             <a:r>
-              <a:t>Types of Neural Networks - Visual Content</a:t>
+              <a:t>Perceptrons: The Building Blocks - Visual Content</a:t>
             </a:r>
           </a:p>
         </p:txBody>
@@ -8089,7 +7868,7 @@
               <a:defRPr sz="1000" i="1"/>
             </a:pPr>
             <a:r>
-              <a:t>Training Neural Networks: Backpropagation</a:t>
+              <a:t>Conclusion: Key Takeaways and Future Directions of Neural Networks</a:t>
             </a:r>
           </a:p>
         </p:txBody>
